--- a/SE PRAC/PPT/Unit2_1.pptx
+++ b/SE PRAC/PPT/Unit2_1.pptx
@@ -285,7 +285,7 @@
           <a:p>
             <a:fld id="{633BA73B-AAE3-4FE5-AE9C-F9FD7780B347}" type="datetimeFigureOut">
               <a:rPr lang="en-US" smtClean="0"/>
-              <a:t>12/19/2022</a:t>
+              <a:t>12/28/2024</a:t>
             </a:fld>
             <a:endParaRPr lang="en-US"/>
           </a:p>
@@ -496,7 +496,7 @@
           <a:p>
             <a:fld id="{633BA73B-AAE3-4FE5-AE9C-F9FD7780B347}" type="datetimeFigureOut">
               <a:rPr lang="en-US" smtClean="0"/>
-              <a:t>12/19/2022</a:t>
+              <a:t>12/28/2024</a:t>
             </a:fld>
             <a:endParaRPr lang="en-US"/>
           </a:p>
@@ -711,7 +711,7 @@
           <a:p>
             <a:fld id="{633BA73B-AAE3-4FE5-AE9C-F9FD7780B347}" type="datetimeFigureOut">
               <a:rPr lang="en-US" smtClean="0"/>
-              <a:t>12/19/2022</a:t>
+              <a:t>12/28/2024</a:t>
             </a:fld>
             <a:endParaRPr lang="en-US"/>
           </a:p>
@@ -912,7 +912,7 @@
           <a:p>
             <a:fld id="{633BA73B-AAE3-4FE5-AE9C-F9FD7780B347}" type="datetimeFigureOut">
               <a:rPr lang="en-US" smtClean="0"/>
-              <a:t>12/19/2022</a:t>
+              <a:t>12/28/2024</a:t>
             </a:fld>
             <a:endParaRPr lang="en-US"/>
           </a:p>
@@ -1191,7 +1191,7 @@
           <a:p>
             <a:fld id="{633BA73B-AAE3-4FE5-AE9C-F9FD7780B347}" type="datetimeFigureOut">
               <a:rPr lang="en-US" smtClean="0"/>
-              <a:t>12/19/2022</a:t>
+              <a:t>12/28/2024</a:t>
             </a:fld>
             <a:endParaRPr lang="en-US"/>
           </a:p>
@@ -1459,7 +1459,7 @@
           <a:p>
             <a:fld id="{633BA73B-AAE3-4FE5-AE9C-F9FD7780B347}" type="datetimeFigureOut">
               <a:rPr lang="en-US" smtClean="0"/>
-              <a:t>12/19/2022</a:t>
+              <a:t>12/28/2024</a:t>
             </a:fld>
             <a:endParaRPr lang="en-US"/>
           </a:p>
@@ -1875,7 +1875,7 @@
           <a:p>
             <a:fld id="{633BA73B-AAE3-4FE5-AE9C-F9FD7780B347}" type="datetimeFigureOut">
               <a:rPr lang="en-US" smtClean="0"/>
-              <a:t>12/19/2022</a:t>
+              <a:t>12/28/2024</a:t>
             </a:fld>
             <a:endParaRPr lang="en-US"/>
           </a:p>
@@ -2024,7 +2024,7 @@
           <a:p>
             <a:fld id="{633BA73B-AAE3-4FE5-AE9C-F9FD7780B347}" type="datetimeFigureOut">
               <a:rPr lang="en-US" smtClean="0"/>
-              <a:t>12/19/2022</a:t>
+              <a:t>12/28/2024</a:t>
             </a:fld>
             <a:endParaRPr lang="en-US"/>
           </a:p>
@@ -2150,7 +2150,7 @@
           <a:p>
             <a:fld id="{633BA73B-AAE3-4FE5-AE9C-F9FD7780B347}" type="datetimeFigureOut">
               <a:rPr lang="en-US" smtClean="0"/>
-              <a:t>12/19/2022</a:t>
+              <a:t>12/28/2024</a:t>
             </a:fld>
             <a:endParaRPr lang="en-US"/>
           </a:p>
@@ -2401,7 +2401,7 @@
           <a:p>
             <a:fld id="{633BA73B-AAE3-4FE5-AE9C-F9FD7780B347}" type="datetimeFigureOut">
               <a:rPr lang="en-US" smtClean="0"/>
-              <a:t>12/19/2022</a:t>
+              <a:t>12/28/2024</a:t>
             </a:fld>
             <a:endParaRPr lang="en-US"/>
           </a:p>
@@ -2846,7 +2846,7 @@
           <a:p>
             <a:fld id="{633BA73B-AAE3-4FE5-AE9C-F9FD7780B347}" type="datetimeFigureOut">
               <a:rPr lang="en-US" smtClean="0"/>
-              <a:t>12/19/2022</a:t>
+              <a:t>12/28/2024</a:t>
             </a:fld>
             <a:endParaRPr lang="en-US"/>
           </a:p>
@@ -3173,7 +3173,7 @@
           <a:p>
             <a:fld id="{633BA73B-AAE3-4FE5-AE9C-F9FD7780B347}" type="datetimeFigureOut">
               <a:rPr lang="en-US" smtClean="0"/>
-              <a:t>12/19/2022</a:t>
+              <a:t>12/28/2024</a:t>
             </a:fld>
             <a:endParaRPr lang="en-US"/>
           </a:p>
@@ -3664,7 +3664,7 @@
           <p:cNvPr id="2" name="Title 1">
             <a:extLst>
               <a:ext uri="{FF2B5EF4-FFF2-40B4-BE49-F238E27FC236}">
-                <a16:creationId xmlns="" xmlns:a16="http://schemas.microsoft.com/office/drawing/2014/main" id="{C8328721-8117-4DBF-AA58-E34536E65D10}"/>
+                <a16:creationId xmlns:a16="http://schemas.microsoft.com/office/drawing/2014/main" id="{C8328721-8117-4DBF-AA58-E34536E65D10}"/>
               </a:ext>
             </a:extLst>
           </p:cNvPr>
@@ -3692,7 +3692,7 @@
           <p:cNvPr id="3" name="Content Placeholder 2">
             <a:extLst>
               <a:ext uri="{FF2B5EF4-FFF2-40B4-BE49-F238E27FC236}">
-                <a16:creationId xmlns="" xmlns:a16="http://schemas.microsoft.com/office/drawing/2014/main" id="{9A1987E5-D585-4A25-BE16-A72CFB166878}"/>
+                <a16:creationId xmlns:a16="http://schemas.microsoft.com/office/drawing/2014/main" id="{9A1987E5-D585-4A25-BE16-A72CFB166878}"/>
               </a:ext>
             </a:extLst>
           </p:cNvPr>
@@ -3797,10 +3797,10 @@
           <p:cNvPr id="8" name="Rectangle 7">
             <a:extLst>
               <a:ext uri="{FF2B5EF4-FFF2-40B4-BE49-F238E27FC236}">
-                <a16:creationId xmlns="" xmlns:a16="http://schemas.microsoft.com/office/drawing/2014/main" id="{F1176DA6-4BBF-42A4-9C94-E6613CCD6B37}"/>
+                <a16:creationId xmlns:a16="http://schemas.microsoft.com/office/drawing/2014/main" id="{F1176DA6-4BBF-42A4-9C94-E6613CCD6B37}"/>
               </a:ext>
               <a:ext uri="{C183D7F6-B498-43B3-948B-1728B52AA6E4}">
-                <adec:decorative xmlns="" xmlns:adec="http://schemas.microsoft.com/office/drawing/2017/decorative" val="1"/>
+                <adec:decorative xmlns:adec="http://schemas.microsoft.com/office/drawing/2017/decorative" val="1"/>
               </a:ext>
             </a:extLst>
           </p:cNvPr>
@@ -3810,7 +3810,7 @@
           <p:nvPr>
             <p:extLst>
               <p:ext uri="{386F3935-93C4-4BCD-93E2-E3B085C9AB24}">
-                <p16:designElem xmlns="" xmlns:p16="http://schemas.microsoft.com/office/powerpoint/2015/main" val="1"/>
+                <p16:designElem xmlns:p16="http://schemas.microsoft.com/office/powerpoint/2015/main" val="1"/>
               </p:ext>
             </p:extLst>
           </p:nvPr>
@@ -3857,10 +3857,10 @@
           <p:cNvPr id="10" name="Rectangle 9">
             <a:extLst>
               <a:ext uri="{FF2B5EF4-FFF2-40B4-BE49-F238E27FC236}">
-                <a16:creationId xmlns="" xmlns:a16="http://schemas.microsoft.com/office/drawing/2014/main" id="{99AAB0AE-172B-4FB4-80C2-86CD6B824220}"/>
+                <a16:creationId xmlns:a16="http://schemas.microsoft.com/office/drawing/2014/main" id="{99AAB0AE-172B-4FB4-80C2-86CD6B824220}"/>
               </a:ext>
               <a:ext uri="{C183D7F6-B498-43B3-948B-1728B52AA6E4}">
-                <adec:decorative xmlns="" xmlns:adec="http://schemas.microsoft.com/office/drawing/2017/decorative" val="1"/>
+                <adec:decorative xmlns:adec="http://schemas.microsoft.com/office/drawing/2017/decorative" val="1"/>
               </a:ext>
             </a:extLst>
           </p:cNvPr>
@@ -3870,7 +3870,7 @@
           <p:nvPr>
             <p:extLst>
               <p:ext uri="{386F3935-93C4-4BCD-93E2-E3B085C9AB24}">
-                <p16:designElem xmlns="" xmlns:p16="http://schemas.microsoft.com/office/powerpoint/2015/main" val="1"/>
+                <p16:designElem xmlns:p16="http://schemas.microsoft.com/office/powerpoint/2015/main" val="1"/>
               </p:ext>
             </p:extLst>
           </p:nvPr>
@@ -3922,7 +3922,7 @@
           <p:cNvPr id="3" name="Picture 2" descr="Diagram&#10;&#10;Description automatically generated">
             <a:extLst>
               <a:ext uri="{FF2B5EF4-FFF2-40B4-BE49-F238E27FC236}">
-                <a16:creationId xmlns="" xmlns:a16="http://schemas.microsoft.com/office/drawing/2014/main" id="{DC3AF8CD-7B71-483D-80C7-02C8C0E83092}"/>
+                <a16:creationId xmlns:a16="http://schemas.microsoft.com/office/drawing/2014/main" id="{DC3AF8CD-7B71-483D-80C7-02C8C0E83092}"/>
               </a:ext>
             </a:extLst>
           </p:cNvPr>
@@ -4012,7 +4012,7 @@
           <p:cNvPr id="3" name="Picture 2" descr="Diagram&#10;&#10;Description automatically generated">
             <a:extLst>
               <a:ext uri="{FF2B5EF4-FFF2-40B4-BE49-F238E27FC236}">
-                <a16:creationId xmlns="" xmlns:a16="http://schemas.microsoft.com/office/drawing/2014/main" id="{C587194E-E3D7-4DC4-A728-65C746945065}"/>
+                <a16:creationId xmlns:a16="http://schemas.microsoft.com/office/drawing/2014/main" id="{C587194E-E3D7-4DC4-A728-65C746945065}"/>
               </a:ext>
             </a:extLst>
           </p:cNvPr>
@@ -4077,7 +4077,7 @@
           <p:cNvPr id="2" name="Title 1">
             <a:extLst>
               <a:ext uri="{FF2B5EF4-FFF2-40B4-BE49-F238E27FC236}">
-                <a16:creationId xmlns="" xmlns:a16="http://schemas.microsoft.com/office/drawing/2014/main" id="{DBFFBA17-9105-4606-B794-62016ADE6852}"/>
+                <a16:creationId xmlns:a16="http://schemas.microsoft.com/office/drawing/2014/main" id="{DBFFBA17-9105-4606-B794-62016ADE6852}"/>
               </a:ext>
             </a:extLst>
           </p:cNvPr>
@@ -4112,7 +4112,7 @@
           <p:cNvPr id="3" name="Content Placeholder 2">
             <a:extLst>
               <a:ext uri="{FF2B5EF4-FFF2-40B4-BE49-F238E27FC236}">
-                <a16:creationId xmlns="" xmlns:a16="http://schemas.microsoft.com/office/drawing/2014/main" id="{36C1258E-B5CE-4C4F-AAFE-D7E4AE406533}"/>
+                <a16:creationId xmlns:a16="http://schemas.microsoft.com/office/drawing/2014/main" id="{36C1258E-B5CE-4C4F-AAFE-D7E4AE406533}"/>
               </a:ext>
             </a:extLst>
           </p:cNvPr>
@@ -4236,7 +4236,7 @@
           <p:cNvPr id="5" name="Picture 4" descr="Diagram&#10;&#10;Description automatically generated">
             <a:extLst>
               <a:ext uri="{FF2B5EF4-FFF2-40B4-BE49-F238E27FC236}">
-                <a16:creationId xmlns="" xmlns:a16="http://schemas.microsoft.com/office/drawing/2014/main" id="{F119A572-70E3-4E39-92AF-D31D038A0238}"/>
+                <a16:creationId xmlns:a16="http://schemas.microsoft.com/office/drawing/2014/main" id="{F119A572-70E3-4E39-92AF-D31D038A0238}"/>
               </a:ext>
             </a:extLst>
           </p:cNvPr>
@@ -4326,10 +4326,10 @@
           <p:cNvPr id="15" name="Rectangle 14">
             <a:extLst>
               <a:ext uri="{FF2B5EF4-FFF2-40B4-BE49-F238E27FC236}">
-                <a16:creationId xmlns="" xmlns:a16="http://schemas.microsoft.com/office/drawing/2014/main" id="{882C17D0-0115-4E43-AF4A-3BA36E80919D}"/>
+                <a16:creationId xmlns:a16="http://schemas.microsoft.com/office/drawing/2014/main" id="{882C17D0-0115-4E43-AF4A-3BA36E80919D}"/>
               </a:ext>
               <a:ext uri="{C183D7F6-B498-43B3-948B-1728B52AA6E4}">
-                <adec:decorative xmlns="" xmlns:adec="http://schemas.microsoft.com/office/drawing/2017/decorative" val="1"/>
+                <adec:decorative xmlns:adec="http://schemas.microsoft.com/office/drawing/2017/decorative" val="1"/>
               </a:ext>
             </a:extLst>
           </p:cNvPr>
@@ -4339,7 +4339,7 @@
           <p:nvPr>
             <p:extLst>
               <p:ext uri="{386F3935-93C4-4BCD-93E2-E3B085C9AB24}">
-                <p16:designElem xmlns="" xmlns:p16="http://schemas.microsoft.com/office/powerpoint/2015/main" val="1"/>
+                <p16:designElem xmlns:p16="http://schemas.microsoft.com/office/powerpoint/2015/main" val="1"/>
               </p:ext>
             </p:extLst>
           </p:nvPr>
@@ -4386,10 +4386,10 @@
           <p:cNvPr id="17" name="Rectangle 16">
             <a:extLst>
               <a:ext uri="{FF2B5EF4-FFF2-40B4-BE49-F238E27FC236}">
-                <a16:creationId xmlns="" xmlns:a16="http://schemas.microsoft.com/office/drawing/2014/main" id="{A2982B51-6FEC-4000-8197-30B2EE78ADE0}"/>
+                <a16:creationId xmlns:a16="http://schemas.microsoft.com/office/drawing/2014/main" id="{A2982B51-6FEC-4000-8197-30B2EE78ADE0}"/>
               </a:ext>
               <a:ext uri="{C183D7F6-B498-43B3-948B-1728B52AA6E4}">
-                <adec:decorative xmlns="" xmlns:adec="http://schemas.microsoft.com/office/drawing/2017/decorative" val="1"/>
+                <adec:decorative xmlns:adec="http://schemas.microsoft.com/office/drawing/2017/decorative" val="1"/>
               </a:ext>
             </a:extLst>
           </p:cNvPr>
@@ -4399,7 +4399,7 @@
           <p:nvPr>
             <p:extLst>
               <p:ext uri="{386F3935-93C4-4BCD-93E2-E3B085C9AB24}">
-                <p16:designElem xmlns="" xmlns:p16="http://schemas.microsoft.com/office/powerpoint/2015/main" val="1"/>
+                <p16:designElem xmlns:p16="http://schemas.microsoft.com/office/powerpoint/2015/main" val="1"/>
               </p:ext>
             </p:extLst>
           </p:nvPr>
@@ -4469,10 +4469,10 @@
           <p:cNvPr id="19" name="Rectangle 18">
             <a:extLst>
               <a:ext uri="{FF2B5EF4-FFF2-40B4-BE49-F238E27FC236}">
-                <a16:creationId xmlns="" xmlns:a16="http://schemas.microsoft.com/office/drawing/2014/main" id="{E5DFB8AC-1A2A-4330-B50D-AAE63C682328}"/>
+                <a16:creationId xmlns:a16="http://schemas.microsoft.com/office/drawing/2014/main" id="{E5DFB8AC-1A2A-4330-B50D-AAE63C682328}"/>
               </a:ext>
               <a:ext uri="{C183D7F6-B498-43B3-948B-1728B52AA6E4}">
-                <adec:decorative xmlns="" xmlns:adec="http://schemas.microsoft.com/office/drawing/2017/decorative" val="1"/>
+                <adec:decorative xmlns:adec="http://schemas.microsoft.com/office/drawing/2017/decorative" val="1"/>
               </a:ext>
             </a:extLst>
           </p:cNvPr>
@@ -4482,7 +4482,7 @@
           <p:nvPr>
             <p:extLst>
               <p:ext uri="{386F3935-93C4-4BCD-93E2-E3B085C9AB24}">
-                <p16:designElem xmlns="" xmlns:p16="http://schemas.microsoft.com/office/powerpoint/2015/main" val="1"/>
+                <p16:designElem xmlns:p16="http://schemas.microsoft.com/office/powerpoint/2015/main" val="1"/>
               </p:ext>
             </p:extLst>
           </p:nvPr>
@@ -4555,7 +4555,7 @@
           <p:cNvPr id="3" name="Picture 2" descr="Shape&#10;&#10;Description automatically generated with medium confidence">
             <a:extLst>
               <a:ext uri="{FF2B5EF4-FFF2-40B4-BE49-F238E27FC236}">
-                <a16:creationId xmlns="" xmlns:a16="http://schemas.microsoft.com/office/drawing/2014/main" id="{7B4F2B91-14ED-44B2-AA6B-64BB3177C739}"/>
+                <a16:creationId xmlns:a16="http://schemas.microsoft.com/office/drawing/2014/main" id="{7B4F2B91-14ED-44B2-AA6B-64BB3177C739}"/>
               </a:ext>
             </a:extLst>
           </p:cNvPr>
@@ -4621,7 +4621,7 @@
           <p:cNvPr id="2" name="Title 1">
             <a:extLst>
               <a:ext uri="{FF2B5EF4-FFF2-40B4-BE49-F238E27FC236}">
-                <a16:creationId xmlns="" xmlns:a16="http://schemas.microsoft.com/office/drawing/2014/main" id="{53EF4A5F-0E9B-413E-BCC6-BE7316454C32}"/>
+                <a16:creationId xmlns:a16="http://schemas.microsoft.com/office/drawing/2014/main" id="{53EF4A5F-0E9B-413E-BCC6-BE7316454C32}"/>
               </a:ext>
             </a:extLst>
           </p:cNvPr>
@@ -4649,7 +4649,7 @@
           <p:cNvPr id="3" name="Rectangle 2">
             <a:extLst>
               <a:ext uri="{FF2B5EF4-FFF2-40B4-BE49-F238E27FC236}">
-                <a16:creationId xmlns="" xmlns:a16="http://schemas.microsoft.com/office/drawing/2014/main" id="{430050B2-D24A-401F-9B30-F54038087AB6}"/>
+                <a16:creationId xmlns:a16="http://schemas.microsoft.com/office/drawing/2014/main" id="{430050B2-D24A-401F-9B30-F54038087AB6}"/>
               </a:ext>
             </a:extLst>
           </p:cNvPr>
@@ -4658,7 +4658,7 @@
         </p:nvSpPr>
         <p:spPr>
           <a:xfrm>
-            <a:off x="1137145" y="1720840"/>
+            <a:off x="1137145" y="2055137"/>
             <a:ext cx="10000042" cy="2308324"/>
           </a:xfrm>
           <a:prstGeom prst="rect">
@@ -4749,7 +4749,7 @@
           <p:cNvPr id="2" name="Title 1">
             <a:extLst>
               <a:ext uri="{FF2B5EF4-FFF2-40B4-BE49-F238E27FC236}">
-                <a16:creationId xmlns="" xmlns:a16="http://schemas.microsoft.com/office/drawing/2014/main" id="{53EF4A5F-0E9B-413E-BCC6-BE7316454C32}"/>
+                <a16:creationId xmlns:a16="http://schemas.microsoft.com/office/drawing/2014/main" id="{53EF4A5F-0E9B-413E-BCC6-BE7316454C32}"/>
               </a:ext>
             </a:extLst>
           </p:cNvPr>
@@ -4777,7 +4777,7 @@
           <p:cNvPr id="3" name="Rectangle 2">
             <a:extLst>
               <a:ext uri="{FF2B5EF4-FFF2-40B4-BE49-F238E27FC236}">
-                <a16:creationId xmlns="" xmlns:a16="http://schemas.microsoft.com/office/drawing/2014/main" id="{430050B2-D24A-401F-9B30-F54038087AB6}"/>
+                <a16:creationId xmlns:a16="http://schemas.microsoft.com/office/drawing/2014/main" id="{430050B2-D24A-401F-9B30-F54038087AB6}"/>
               </a:ext>
             </a:extLst>
           </p:cNvPr>
@@ -5037,7 +5037,7 @@
           <p:cNvPr id="2" name="Title 1">
             <a:extLst>
               <a:ext uri="{FF2B5EF4-FFF2-40B4-BE49-F238E27FC236}">
-                <a16:creationId xmlns="" xmlns:a16="http://schemas.microsoft.com/office/drawing/2014/main" id="{53EF4A5F-0E9B-413E-BCC6-BE7316454C32}"/>
+                <a16:creationId xmlns:a16="http://schemas.microsoft.com/office/drawing/2014/main" id="{53EF4A5F-0E9B-413E-BCC6-BE7316454C32}"/>
               </a:ext>
             </a:extLst>
           </p:cNvPr>
@@ -5065,7 +5065,7 @@
           <p:cNvPr id="3" name="Rectangle 2">
             <a:extLst>
               <a:ext uri="{FF2B5EF4-FFF2-40B4-BE49-F238E27FC236}">
-                <a16:creationId xmlns="" xmlns:a16="http://schemas.microsoft.com/office/drawing/2014/main" id="{430050B2-D24A-401F-9B30-F54038087AB6}"/>
+                <a16:creationId xmlns:a16="http://schemas.microsoft.com/office/drawing/2014/main" id="{430050B2-D24A-401F-9B30-F54038087AB6}"/>
               </a:ext>
             </a:extLst>
           </p:cNvPr>
@@ -5168,7 +5168,7 @@
           <p:cNvPr id="2" name="Title 1">
             <a:extLst>
               <a:ext uri="{FF2B5EF4-FFF2-40B4-BE49-F238E27FC236}">
-                <a16:creationId xmlns="" xmlns:a16="http://schemas.microsoft.com/office/drawing/2014/main" id="{26A5F56C-356D-49F4-B819-39425E96EAD2}"/>
+                <a16:creationId xmlns:a16="http://schemas.microsoft.com/office/drawing/2014/main" id="{26A5F56C-356D-49F4-B819-39425E96EAD2}"/>
               </a:ext>
             </a:extLst>
           </p:cNvPr>
@@ -5200,7 +5200,7 @@
           <p:cNvPr id="3" name="Content Placeholder 2">
             <a:extLst>
               <a:ext uri="{FF2B5EF4-FFF2-40B4-BE49-F238E27FC236}">
-                <a16:creationId xmlns="" xmlns:a16="http://schemas.microsoft.com/office/drawing/2014/main" id="{E075E0B6-1806-4A16-A3F5-7CD3174F416D}"/>
+                <a16:creationId xmlns:a16="http://schemas.microsoft.com/office/drawing/2014/main" id="{E075E0B6-1806-4A16-A3F5-7CD3174F416D}"/>
               </a:ext>
             </a:extLst>
           </p:cNvPr>
@@ -5294,10 +5294,10 @@
           <p:cNvPr id="11" name="Rectangle 10">
             <a:extLst>
               <a:ext uri="{FF2B5EF4-FFF2-40B4-BE49-F238E27FC236}">
-                <a16:creationId xmlns="" xmlns:a16="http://schemas.microsoft.com/office/drawing/2014/main" id="{0CABCAE3-64FC-4149-819F-2C1812824154}"/>
+                <a16:creationId xmlns:a16="http://schemas.microsoft.com/office/drawing/2014/main" id="{0CABCAE3-64FC-4149-819F-2C1812824154}"/>
               </a:ext>
               <a:ext uri="{C183D7F6-B498-43B3-948B-1728B52AA6E4}">
-                <adec:decorative xmlns="" xmlns:adec="http://schemas.microsoft.com/office/drawing/2017/decorative" val="1"/>
+                <adec:decorative xmlns:adec="http://schemas.microsoft.com/office/drawing/2017/decorative" val="1"/>
               </a:ext>
             </a:extLst>
           </p:cNvPr>
@@ -5307,7 +5307,7 @@
           <p:nvPr>
             <p:extLst>
               <p:ext uri="{386F3935-93C4-4BCD-93E2-E3B085C9AB24}">
-                <p16:designElem xmlns="" xmlns:p16="http://schemas.microsoft.com/office/powerpoint/2015/main" val="1"/>
+                <p16:designElem xmlns:p16="http://schemas.microsoft.com/office/powerpoint/2015/main" val="1"/>
               </p:ext>
             </p:extLst>
           </p:nvPr>
@@ -5360,10 +5360,10 @@
           <p:cNvPr id="13" name="Picture 12">
             <a:extLst>
               <a:ext uri="{FF2B5EF4-FFF2-40B4-BE49-F238E27FC236}">
-                <a16:creationId xmlns="" xmlns:a16="http://schemas.microsoft.com/office/drawing/2014/main" id="{012FDCFE-9AD2-4D8A-8CBF-B3AA37EBF6DD}"/>
+                <a16:creationId xmlns:a16="http://schemas.microsoft.com/office/drawing/2014/main" id="{012FDCFE-9AD2-4D8A-8CBF-B3AA37EBF6DD}"/>
               </a:ext>
               <a:ext uri="{C183D7F6-B498-43B3-948B-1728B52AA6E4}">
-                <adec:decorative xmlns="" xmlns:adec="http://schemas.microsoft.com/office/drawing/2017/decorative" val="1"/>
+                <adec:decorative xmlns:adec="http://schemas.microsoft.com/office/drawing/2017/decorative" val="1"/>
               </a:ext>
             </a:extLst>
           </p:cNvPr>
@@ -5373,7 +5373,7 @@
           <p:nvPr>
             <p:extLst>
               <p:ext uri="{386F3935-93C4-4BCD-93E2-E3B085C9AB24}">
-                <p16:designElem xmlns="" xmlns:p16="http://schemas.microsoft.com/office/powerpoint/2015/main" val="1"/>
+                <p16:designElem xmlns:p16="http://schemas.microsoft.com/office/powerpoint/2015/main" val="1"/>
               </p:ext>
             </p:extLst>
           </p:nvPr>
@@ -5404,10 +5404,10 @@
           <p:cNvPr id="15" name="Straight Connector 14">
             <a:extLst>
               <a:ext uri="{FF2B5EF4-FFF2-40B4-BE49-F238E27FC236}">
-                <a16:creationId xmlns="" xmlns:a16="http://schemas.microsoft.com/office/drawing/2014/main" id="{FBD463FC-4CA8-4FF4-85A3-AF9F4B98D210}"/>
+                <a16:creationId xmlns:a16="http://schemas.microsoft.com/office/drawing/2014/main" id="{FBD463FC-4CA8-4FF4-85A3-AF9F4B98D210}"/>
               </a:ext>
               <a:ext uri="{C183D7F6-B498-43B3-948B-1728B52AA6E4}">
-                <adec:decorative xmlns="" xmlns:adec="http://schemas.microsoft.com/office/drawing/2017/decorative" val="1"/>
+                <adec:decorative xmlns:adec="http://schemas.microsoft.com/office/drawing/2017/decorative" val="1"/>
               </a:ext>
             </a:extLst>
           </p:cNvPr>
@@ -5417,7 +5417,7 @@
           <p:nvPr>
             <p:extLst>
               <p:ext uri="{386F3935-93C4-4BCD-93E2-E3B085C9AB24}">
-                <p16:designElem xmlns="" xmlns:p16="http://schemas.microsoft.com/office/powerpoint/2015/main" val="1"/>
+                <p16:designElem xmlns:p16="http://schemas.microsoft.com/office/powerpoint/2015/main" val="1"/>
               </p:ext>
             </p:extLst>
           </p:nvPr>
@@ -5458,10 +5458,10 @@
           <p:cNvPr id="17" name="Straight Connector 16">
             <a:extLst>
               <a:ext uri="{FF2B5EF4-FFF2-40B4-BE49-F238E27FC236}">
-                <a16:creationId xmlns="" xmlns:a16="http://schemas.microsoft.com/office/drawing/2014/main" id="{BECF35C3-8B44-4F4B-BD25-4C01823DB22A}"/>
+                <a16:creationId xmlns:a16="http://schemas.microsoft.com/office/drawing/2014/main" id="{BECF35C3-8B44-4F4B-BD25-4C01823DB22A}"/>
               </a:ext>
               <a:ext uri="{C183D7F6-B498-43B3-948B-1728B52AA6E4}">
-                <adec:decorative xmlns="" xmlns:adec="http://schemas.microsoft.com/office/drawing/2017/decorative" val="1"/>
+                <adec:decorative xmlns:adec="http://schemas.microsoft.com/office/drawing/2017/decorative" val="1"/>
               </a:ext>
             </a:extLst>
           </p:cNvPr>
@@ -5471,7 +5471,7 @@
           <p:nvPr>
             <p:extLst>
               <p:ext uri="{386F3935-93C4-4BCD-93E2-E3B085C9AB24}">
-                <p16:designElem xmlns="" xmlns:p16="http://schemas.microsoft.com/office/powerpoint/2015/main" val="1"/>
+                <p16:designElem xmlns:p16="http://schemas.microsoft.com/office/powerpoint/2015/main" val="1"/>
               </p:ext>
             </p:extLst>
           </p:nvPr>
@@ -5506,10 +5506,10 @@
           <p:cNvPr id="19" name="Rectangle 18">
             <a:extLst>
               <a:ext uri="{FF2B5EF4-FFF2-40B4-BE49-F238E27FC236}">
-                <a16:creationId xmlns="" xmlns:a16="http://schemas.microsoft.com/office/drawing/2014/main" id="{11587617-1CD9-4BB4-8FDB-02547523FBEA}"/>
+                <a16:creationId xmlns:a16="http://schemas.microsoft.com/office/drawing/2014/main" id="{11587617-1CD9-4BB4-8FDB-02547523FBEA}"/>
               </a:ext>
               <a:ext uri="{C183D7F6-B498-43B3-948B-1728B52AA6E4}">
-                <adec:decorative xmlns="" xmlns:adec="http://schemas.microsoft.com/office/drawing/2017/decorative" val="1"/>
+                <adec:decorative xmlns:adec="http://schemas.microsoft.com/office/drawing/2017/decorative" val="1"/>
               </a:ext>
             </a:extLst>
           </p:cNvPr>
@@ -5519,7 +5519,7 @@
           <p:nvPr>
             <p:extLst>
               <p:ext uri="{386F3935-93C4-4BCD-93E2-E3B085C9AB24}">
-                <p16:designElem xmlns="" xmlns:p16="http://schemas.microsoft.com/office/powerpoint/2015/main" val="1"/>
+                <p16:designElem xmlns:p16="http://schemas.microsoft.com/office/powerpoint/2015/main" val="1"/>
               </p:ext>
             </p:extLst>
           </p:nvPr>
@@ -5566,10 +5566,10 @@
           <p:cNvPr id="21" name="Rectangle 20">
             <a:extLst>
               <a:ext uri="{FF2B5EF4-FFF2-40B4-BE49-F238E27FC236}">
-                <a16:creationId xmlns="" xmlns:a16="http://schemas.microsoft.com/office/drawing/2014/main" id="{B2359BEA-F467-446B-9ED2-7DE4AE3940C4}"/>
+                <a16:creationId xmlns:a16="http://schemas.microsoft.com/office/drawing/2014/main" id="{B2359BEA-F467-446B-9ED2-7DE4AE3940C4}"/>
               </a:ext>
               <a:ext uri="{C183D7F6-B498-43B3-948B-1728B52AA6E4}">
-                <adec:decorative xmlns="" xmlns:adec="http://schemas.microsoft.com/office/drawing/2017/decorative" val="1"/>
+                <adec:decorative xmlns:adec="http://schemas.microsoft.com/office/drawing/2017/decorative" val="1"/>
               </a:ext>
             </a:extLst>
           </p:cNvPr>
@@ -5579,7 +5579,7 @@
           <p:nvPr>
             <p:extLst>
               <p:ext uri="{386F3935-93C4-4BCD-93E2-E3B085C9AB24}">
-                <p16:designElem xmlns="" xmlns:p16="http://schemas.microsoft.com/office/powerpoint/2015/main" val="1"/>
+                <p16:designElem xmlns:p16="http://schemas.microsoft.com/office/powerpoint/2015/main" val="1"/>
               </p:ext>
             </p:extLst>
           </p:nvPr>
@@ -5640,7 +5640,7 @@
           <p:cNvPr id="2" name="Title 1">
             <a:extLst>
               <a:ext uri="{FF2B5EF4-FFF2-40B4-BE49-F238E27FC236}">
-                <a16:creationId xmlns="" xmlns:a16="http://schemas.microsoft.com/office/drawing/2014/main" id="{54562217-F487-4489-8D22-B82A7ADCD45C}"/>
+                <a16:creationId xmlns:a16="http://schemas.microsoft.com/office/drawing/2014/main" id="{54562217-F487-4489-8D22-B82A7ADCD45C}"/>
               </a:ext>
             </a:extLst>
           </p:cNvPr>
@@ -5670,10 +5670,6 @@
             <a:br>
               <a:rPr lang="en-US" sz="1200" dirty="0"/>
             </a:br>
-            <a:r>
-              <a:rPr lang="en-US" sz="900" dirty="0"/>
-              <a:t/>
-            </a:r>
             <a:br>
               <a:rPr lang="en-US" sz="900" dirty="0"/>
             </a:br>
@@ -5686,7 +5682,7 @@
           <p:cNvPr id="3" name="Content Placeholder 2">
             <a:extLst>
               <a:ext uri="{FF2B5EF4-FFF2-40B4-BE49-F238E27FC236}">
-                <a16:creationId xmlns="" xmlns:a16="http://schemas.microsoft.com/office/drawing/2014/main" id="{B94B75B3-1934-48BA-B7D1-293103D0BBE1}"/>
+                <a16:creationId xmlns:a16="http://schemas.microsoft.com/office/drawing/2014/main" id="{B94B75B3-1934-48BA-B7D1-293103D0BBE1}"/>
               </a:ext>
             </a:extLst>
           </p:cNvPr>
@@ -5715,17 +5711,9 @@
               </a:lnSpc>
               <a:buNone/>
             </a:pPr>
-            <a:r>
-              <a:rPr lang="en-US" sz="500" cap="all"/>
-              <a:t/>
-            </a:r>
             <a:br>
               <a:rPr lang="en-US" sz="500" cap="all"/>
             </a:br>
-            <a:r>
-              <a:rPr lang="en-US" sz="500" cap="all"/>
-              <a:t/>
-            </a:r>
             <a:br>
               <a:rPr lang="en-US" sz="500" cap="all"/>
             </a:br>
@@ -5738,7 +5726,7 @@
           <p:cNvPr id="6" name="Picture 5">
             <a:extLst>
               <a:ext uri="{FF2B5EF4-FFF2-40B4-BE49-F238E27FC236}">
-                <a16:creationId xmlns="" xmlns:a16="http://schemas.microsoft.com/office/drawing/2014/main" id="{F2A206EF-F347-4444-B708-B064390D2A44}"/>
+                <a16:creationId xmlns:a16="http://schemas.microsoft.com/office/drawing/2014/main" id="{F2A206EF-F347-4444-B708-B064390D2A44}"/>
               </a:ext>
             </a:extLst>
           </p:cNvPr>
@@ -5774,10 +5762,10 @@
           <p:cNvPr id="23" name="Straight Connector 22">
             <a:extLst>
               <a:ext uri="{FF2B5EF4-FFF2-40B4-BE49-F238E27FC236}">
-                <a16:creationId xmlns="" xmlns:a16="http://schemas.microsoft.com/office/drawing/2014/main" id="{07C4A58F-EDCB-42E6-BB21-2D410EF078C9}"/>
+                <a16:creationId xmlns:a16="http://schemas.microsoft.com/office/drawing/2014/main" id="{07C4A58F-EDCB-42E6-BB21-2D410EF078C9}"/>
               </a:ext>
               <a:ext uri="{C183D7F6-B498-43B3-948B-1728B52AA6E4}">
-                <adec:decorative xmlns="" xmlns:adec="http://schemas.microsoft.com/office/drawing/2017/decorative" val="1"/>
+                <adec:decorative xmlns:adec="http://schemas.microsoft.com/office/drawing/2017/decorative" val="1"/>
               </a:ext>
             </a:extLst>
           </p:cNvPr>
@@ -5787,7 +5775,7 @@
           <p:nvPr>
             <p:extLst>
               <p:ext uri="{386F3935-93C4-4BCD-93E2-E3B085C9AB24}">
-                <p16:designElem xmlns="" xmlns:p16="http://schemas.microsoft.com/office/powerpoint/2015/main" val="1"/>
+                <p16:designElem xmlns:p16="http://schemas.microsoft.com/office/powerpoint/2015/main" val="1"/>
               </p:ext>
             </p:extLst>
           </p:nvPr>
@@ -5822,10 +5810,10 @@
           <p:cNvPr id="25" name="Picture 24">
             <a:extLst>
               <a:ext uri="{FF2B5EF4-FFF2-40B4-BE49-F238E27FC236}">
-                <a16:creationId xmlns="" xmlns:a16="http://schemas.microsoft.com/office/drawing/2014/main" id="{CEF18BD6-B169-4CEE-BB3D-71DFD6A8334C}"/>
+                <a16:creationId xmlns:a16="http://schemas.microsoft.com/office/drawing/2014/main" id="{CEF18BD6-B169-4CEE-BB3D-71DFD6A8334C}"/>
               </a:ext>
               <a:ext uri="{C183D7F6-B498-43B3-948B-1728B52AA6E4}">
-                <adec:decorative xmlns="" xmlns:adec="http://schemas.microsoft.com/office/drawing/2017/decorative" val="1"/>
+                <adec:decorative xmlns:adec="http://schemas.microsoft.com/office/drawing/2017/decorative" val="1"/>
               </a:ext>
             </a:extLst>
           </p:cNvPr>
@@ -5835,7 +5823,7 @@
           <p:nvPr>
             <p:extLst>
               <p:ext uri="{386F3935-93C4-4BCD-93E2-E3B085C9AB24}">
-                <p16:designElem xmlns="" xmlns:p16="http://schemas.microsoft.com/office/powerpoint/2015/main" val="1"/>
+                <p16:designElem xmlns:p16="http://schemas.microsoft.com/office/powerpoint/2015/main" val="1"/>
               </p:ext>
             </p:extLst>
           </p:nvPr>
@@ -5866,10 +5854,10 @@
           <p:cNvPr id="27" name="Straight Connector 26">
             <a:extLst>
               <a:ext uri="{FF2B5EF4-FFF2-40B4-BE49-F238E27FC236}">
-                <a16:creationId xmlns="" xmlns:a16="http://schemas.microsoft.com/office/drawing/2014/main" id="{0C253CD2-F713-407C-B979-22CDBA5319BC}"/>
+                <a16:creationId xmlns:a16="http://schemas.microsoft.com/office/drawing/2014/main" id="{0C253CD2-F713-407C-B979-22CDBA5319BC}"/>
               </a:ext>
               <a:ext uri="{C183D7F6-B498-43B3-948B-1728B52AA6E4}">
-                <adec:decorative xmlns="" xmlns:adec="http://schemas.microsoft.com/office/drawing/2017/decorative" val="1"/>
+                <adec:decorative xmlns:adec="http://schemas.microsoft.com/office/drawing/2017/decorative" val="1"/>
               </a:ext>
             </a:extLst>
           </p:cNvPr>
@@ -5879,7 +5867,7 @@
           <p:nvPr>
             <p:extLst>
               <p:ext uri="{386F3935-93C4-4BCD-93E2-E3B085C9AB24}">
-                <p16:designElem xmlns="" xmlns:p16="http://schemas.microsoft.com/office/powerpoint/2015/main" val="1"/>
+                <p16:designElem xmlns:p16="http://schemas.microsoft.com/office/powerpoint/2015/main" val="1"/>
               </p:ext>
             </p:extLst>
           </p:nvPr>
@@ -5950,7 +5938,7 @@
           <p:cNvPr id="2" name="Title 1">
             <a:extLst>
               <a:ext uri="{FF2B5EF4-FFF2-40B4-BE49-F238E27FC236}">
-                <a16:creationId xmlns="" xmlns:a16="http://schemas.microsoft.com/office/drawing/2014/main" id="{54562217-F487-4489-8D22-B82A7ADCD45C}"/>
+                <a16:creationId xmlns:a16="http://schemas.microsoft.com/office/drawing/2014/main" id="{54562217-F487-4489-8D22-B82A7ADCD45C}"/>
               </a:ext>
             </a:extLst>
           </p:cNvPr>
@@ -6006,7 +5994,7 @@
           <p:cNvPr id="3" name="Content Placeholder 2">
             <a:extLst>
               <a:ext uri="{FF2B5EF4-FFF2-40B4-BE49-F238E27FC236}">
-                <a16:creationId xmlns="" xmlns:a16="http://schemas.microsoft.com/office/drawing/2014/main" id="{B94B75B3-1934-48BA-B7D1-293103D0BBE1}"/>
+                <a16:creationId xmlns:a16="http://schemas.microsoft.com/office/drawing/2014/main" id="{B94B75B3-1934-48BA-B7D1-293103D0BBE1}"/>
               </a:ext>
             </a:extLst>
           </p:cNvPr>
@@ -6067,17 +6055,9 @@
             <a:pPr marL="0" indent="0">
               <a:buNone/>
             </a:pPr>
-            <a:r>
-              <a:rPr lang="en-US" sz="1800" dirty="0"/>
-              <a:t/>
-            </a:r>
             <a:br>
               <a:rPr lang="en-US" sz="1800" dirty="0"/>
             </a:br>
-            <a:r>
-              <a:rPr lang="en-US" sz="1800" dirty="0"/>
-              <a:t/>
-            </a:r>
             <a:br>
               <a:rPr lang="en-US" sz="1800" dirty="0"/>
             </a:br>
@@ -6120,7 +6100,7 @@
           <p:cNvPr id="2" name="Title 1">
             <a:extLst>
               <a:ext uri="{FF2B5EF4-FFF2-40B4-BE49-F238E27FC236}">
-                <a16:creationId xmlns="" xmlns:a16="http://schemas.microsoft.com/office/drawing/2014/main" id="{C8328721-8117-4DBF-AA58-E34536E65D10}"/>
+                <a16:creationId xmlns:a16="http://schemas.microsoft.com/office/drawing/2014/main" id="{C8328721-8117-4DBF-AA58-E34536E65D10}"/>
               </a:ext>
             </a:extLst>
           </p:cNvPr>
@@ -6148,7 +6128,7 @@
           <p:cNvPr id="3" name="Content Placeholder 2">
             <a:extLst>
               <a:ext uri="{FF2B5EF4-FFF2-40B4-BE49-F238E27FC236}">
-                <a16:creationId xmlns="" xmlns:a16="http://schemas.microsoft.com/office/drawing/2014/main" id="{9A1987E5-D585-4A25-BE16-A72CFB166878}"/>
+                <a16:creationId xmlns:a16="http://schemas.microsoft.com/office/drawing/2014/main" id="{9A1987E5-D585-4A25-BE16-A72CFB166878}"/>
               </a:ext>
             </a:extLst>
           </p:cNvPr>
@@ -6232,7 +6212,7 @@
           <p:cNvPr id="2" name="Title 1">
             <a:extLst>
               <a:ext uri="{FF2B5EF4-FFF2-40B4-BE49-F238E27FC236}">
-                <a16:creationId xmlns="" xmlns:a16="http://schemas.microsoft.com/office/drawing/2014/main" id="{26A5F56C-356D-49F4-B819-39425E96EAD2}"/>
+                <a16:creationId xmlns:a16="http://schemas.microsoft.com/office/drawing/2014/main" id="{26A5F56C-356D-49F4-B819-39425E96EAD2}"/>
               </a:ext>
             </a:extLst>
           </p:cNvPr>
@@ -6262,7 +6242,7 @@
           <p:cNvPr id="3" name="Content Placeholder 2">
             <a:extLst>
               <a:ext uri="{FF2B5EF4-FFF2-40B4-BE49-F238E27FC236}">
-                <a16:creationId xmlns="" xmlns:a16="http://schemas.microsoft.com/office/drawing/2014/main" id="{E075E0B6-1806-4A16-A3F5-7CD3174F416D}"/>
+                <a16:creationId xmlns:a16="http://schemas.microsoft.com/office/drawing/2014/main" id="{E075E0B6-1806-4A16-A3F5-7CD3174F416D}"/>
               </a:ext>
             </a:extLst>
           </p:cNvPr>
@@ -6360,7 +6340,7 @@
           <p:cNvPr id="2" name="Title 1">
             <a:extLst>
               <a:ext uri="{FF2B5EF4-FFF2-40B4-BE49-F238E27FC236}">
-                <a16:creationId xmlns="" xmlns:a16="http://schemas.microsoft.com/office/drawing/2014/main" id="{54562217-F487-4489-8D22-B82A7ADCD45C}"/>
+                <a16:creationId xmlns:a16="http://schemas.microsoft.com/office/drawing/2014/main" id="{54562217-F487-4489-8D22-B82A7ADCD45C}"/>
               </a:ext>
             </a:extLst>
           </p:cNvPr>
@@ -6387,10 +6367,6 @@
               <a:rPr lang="en-US" b="1" i="1" dirty="0"/>
               <a:t>When to use Extreme Programming:</a:t>
             </a:r>
-            <a:r>
-              <a:rPr lang="en-US" b="1" dirty="0"/>
-              <a:t/>
-            </a:r>
             <a:br>
               <a:rPr lang="en-US" b="1" dirty="0"/>
             </a:br>
@@ -6403,7 +6379,7 @@
           <p:cNvPr id="3" name="Content Placeholder 2">
             <a:extLst>
               <a:ext uri="{FF2B5EF4-FFF2-40B4-BE49-F238E27FC236}">
-                <a16:creationId xmlns="" xmlns:a16="http://schemas.microsoft.com/office/drawing/2014/main" id="{B94B75B3-1934-48BA-B7D1-293103D0BBE1}"/>
+                <a16:creationId xmlns:a16="http://schemas.microsoft.com/office/drawing/2014/main" id="{B94B75B3-1934-48BA-B7D1-293103D0BBE1}"/>
               </a:ext>
             </a:extLst>
           </p:cNvPr>
@@ -6523,7 +6499,7 @@
           <p:cNvPr id="2" name="Title 1">
             <a:extLst>
               <a:ext uri="{FF2B5EF4-FFF2-40B4-BE49-F238E27FC236}">
-                <a16:creationId xmlns="" xmlns:a16="http://schemas.microsoft.com/office/drawing/2014/main" id="{54562217-F487-4489-8D22-B82A7ADCD45C}"/>
+                <a16:creationId xmlns:a16="http://schemas.microsoft.com/office/drawing/2014/main" id="{54562217-F487-4489-8D22-B82A7ADCD45C}"/>
               </a:ext>
             </a:extLst>
           </p:cNvPr>
@@ -6563,10 +6539,6 @@
               </a:rPr>
               <a:t>What is Extreme Programming (XP) and its Principles &amp; Practices? (toolsqa.com)</a:t>
             </a:r>
-            <a:r>
-              <a:rPr lang="en-US" b="1" dirty="0"/>
-              <a:t/>
-            </a:r>
             <a:br>
               <a:rPr lang="en-US" b="1" dirty="0"/>
             </a:br>
@@ -6579,7 +6551,7 @@
           <p:cNvPr id="5" name="Content Placeholder 4" descr="Diagram&#10;&#10;Description automatically generated">
             <a:extLst>
               <a:ext uri="{FF2B5EF4-FFF2-40B4-BE49-F238E27FC236}">
-                <a16:creationId xmlns="" xmlns:a16="http://schemas.microsoft.com/office/drawing/2014/main" id="{98871538-1821-44CB-996C-0533C5D9B9F8}"/>
+                <a16:creationId xmlns:a16="http://schemas.microsoft.com/office/drawing/2014/main" id="{98871538-1821-44CB-996C-0533C5D9B9F8}"/>
               </a:ext>
             </a:extLst>
           </p:cNvPr>
@@ -6614,7 +6586,7 @@
           <p:cNvPr id="7" name="Picture 6" descr="Diagram&#10;&#10;Description automatically generated">
             <a:extLst>
               <a:ext uri="{FF2B5EF4-FFF2-40B4-BE49-F238E27FC236}">
-                <a16:creationId xmlns="" xmlns:a16="http://schemas.microsoft.com/office/drawing/2014/main" id="{05B748F6-1022-41FE-95E1-8FCF8EDBCB84}"/>
+                <a16:creationId xmlns:a16="http://schemas.microsoft.com/office/drawing/2014/main" id="{05B748F6-1022-41FE-95E1-8FCF8EDBCB84}"/>
               </a:ext>
             </a:extLst>
           </p:cNvPr>
@@ -6704,10 +6676,10 @@
           <p:cNvPr id="32" name="Rectangle 31">
             <a:extLst>
               <a:ext uri="{FF2B5EF4-FFF2-40B4-BE49-F238E27FC236}">
-                <a16:creationId xmlns="" xmlns:a16="http://schemas.microsoft.com/office/drawing/2014/main" id="{5BB14454-D00C-4958-BB39-F5F9F3ACD499}"/>
+                <a16:creationId xmlns:a16="http://schemas.microsoft.com/office/drawing/2014/main" id="{5BB14454-D00C-4958-BB39-F5F9F3ACD499}"/>
               </a:ext>
               <a:ext uri="{C183D7F6-B498-43B3-948B-1728B52AA6E4}">
-                <adec:decorative xmlns="" xmlns:adec="http://schemas.microsoft.com/office/drawing/2017/decorative" val="1"/>
+                <adec:decorative xmlns:adec="http://schemas.microsoft.com/office/drawing/2017/decorative" val="1"/>
               </a:ext>
             </a:extLst>
           </p:cNvPr>
@@ -6717,7 +6689,7 @@
           <p:nvPr>
             <p:extLst>
               <p:ext uri="{386F3935-93C4-4BCD-93E2-E3B085C9AB24}">
-                <p16:designElem xmlns="" xmlns:p16="http://schemas.microsoft.com/office/powerpoint/2015/main" val="1"/>
+                <p16:designElem xmlns:p16="http://schemas.microsoft.com/office/powerpoint/2015/main" val="1"/>
               </p:ext>
             </p:extLst>
           </p:nvPr>
@@ -6764,10 +6736,10 @@
           <p:cNvPr id="34" name="Straight Connector 33">
             <a:extLst>
               <a:ext uri="{FF2B5EF4-FFF2-40B4-BE49-F238E27FC236}">
-                <a16:creationId xmlns="" xmlns:a16="http://schemas.microsoft.com/office/drawing/2014/main" id="{28A657A7-C4E5-425B-98FA-BB817FF7BFB0}"/>
+                <a16:creationId xmlns:a16="http://schemas.microsoft.com/office/drawing/2014/main" id="{28A657A7-C4E5-425B-98FA-BB817FF7BFB0}"/>
               </a:ext>
               <a:ext uri="{C183D7F6-B498-43B3-948B-1728B52AA6E4}">
-                <adec:decorative xmlns="" xmlns:adec="http://schemas.microsoft.com/office/drawing/2017/decorative" val="1"/>
+                <adec:decorative xmlns:adec="http://schemas.microsoft.com/office/drawing/2017/decorative" val="1"/>
               </a:ext>
             </a:extLst>
           </p:cNvPr>
@@ -6777,7 +6749,7 @@
           <p:nvPr>
             <p:extLst>
               <p:ext uri="{386F3935-93C4-4BCD-93E2-E3B085C9AB24}">
-                <p16:designElem xmlns="" xmlns:p16="http://schemas.microsoft.com/office/powerpoint/2015/main" val="1"/>
+                <p16:designElem xmlns:p16="http://schemas.microsoft.com/office/powerpoint/2015/main" val="1"/>
               </p:ext>
             </p:extLst>
           </p:nvPr>
@@ -6812,7 +6784,7 @@
           <p:cNvPr id="2" name="Title 1">
             <a:extLst>
               <a:ext uri="{FF2B5EF4-FFF2-40B4-BE49-F238E27FC236}">
-                <a16:creationId xmlns="" xmlns:a16="http://schemas.microsoft.com/office/drawing/2014/main" id="{B5037FF1-A2F9-4AED-9DAE-7129479AEE62}"/>
+                <a16:creationId xmlns:a16="http://schemas.microsoft.com/office/drawing/2014/main" id="{B5037FF1-A2F9-4AED-9DAE-7129479AEE62}"/>
               </a:ext>
             </a:extLst>
           </p:cNvPr>
@@ -6851,10 +6823,10 @@
           <p:cNvPr id="36" name="Rectangle 35">
             <a:extLst>
               <a:ext uri="{FF2B5EF4-FFF2-40B4-BE49-F238E27FC236}">
-                <a16:creationId xmlns="" xmlns:a16="http://schemas.microsoft.com/office/drawing/2014/main" id="{A1084370-0E70-4003-9787-3490FCC20E13}"/>
+                <a16:creationId xmlns:a16="http://schemas.microsoft.com/office/drawing/2014/main" id="{A1084370-0E70-4003-9787-3490FCC20E13}"/>
               </a:ext>
               <a:ext uri="{C183D7F6-B498-43B3-948B-1728B52AA6E4}">
-                <adec:decorative xmlns="" xmlns:adec="http://schemas.microsoft.com/office/drawing/2017/decorative" val="1"/>
+                <adec:decorative xmlns:adec="http://schemas.microsoft.com/office/drawing/2017/decorative" val="1"/>
               </a:ext>
             </a:extLst>
           </p:cNvPr>
@@ -6864,7 +6836,7 @@
           <p:nvPr>
             <p:extLst>
               <p:ext uri="{386F3935-93C4-4BCD-93E2-E3B085C9AB24}">
-                <p16:designElem xmlns="" xmlns:p16="http://schemas.microsoft.com/office/powerpoint/2015/main" val="1"/>
+                <p16:designElem xmlns:p16="http://schemas.microsoft.com/office/powerpoint/2015/main" val="1"/>
               </p:ext>
             </p:extLst>
           </p:nvPr>
@@ -6925,10 +6897,10 @@
           <p:cNvPr id="38" name="Group 37">
             <a:extLst>
               <a:ext uri="{FF2B5EF4-FFF2-40B4-BE49-F238E27FC236}">
-                <a16:creationId xmlns="" xmlns:a16="http://schemas.microsoft.com/office/drawing/2014/main" id="{2B7C66D2-22E8-4E8F-829B-050BFA7C86C5}"/>
+                <a16:creationId xmlns:a16="http://schemas.microsoft.com/office/drawing/2014/main" id="{2B7C66D2-22E8-4E8F-829B-050BFA7C86C5}"/>
               </a:ext>
               <a:ext uri="{C183D7F6-B498-43B3-948B-1728B52AA6E4}">
-                <adec:decorative xmlns="" xmlns:adec="http://schemas.microsoft.com/office/drawing/2017/decorative" val="1"/>
+                <adec:decorative xmlns:adec="http://schemas.microsoft.com/office/drawing/2017/decorative" val="1"/>
               </a:ext>
             </a:extLst>
           </p:cNvPr>
@@ -6938,7 +6910,7 @@
           <p:nvPr>
             <p:extLst>
               <p:ext uri="{386F3935-93C4-4BCD-93E2-E3B085C9AB24}">
-                <p16:designElem xmlns="" xmlns:p16="http://schemas.microsoft.com/office/powerpoint/2015/main" val="1"/>
+                <p16:designElem xmlns:p16="http://schemas.microsoft.com/office/powerpoint/2015/main" val="1"/>
               </p:ext>
             </p:extLst>
           </p:nvPr>
@@ -6956,10 +6928,10 @@
             <p:cNvPr id="39" name="Rectangle 38">
               <a:extLst>
                 <a:ext uri="{FF2B5EF4-FFF2-40B4-BE49-F238E27FC236}">
-                  <a16:creationId xmlns="" xmlns:a16="http://schemas.microsoft.com/office/drawing/2014/main" id="{F0B78D6F-1F61-4DBB-8F5A-934BB850DD1F}"/>
+                  <a16:creationId xmlns:a16="http://schemas.microsoft.com/office/drawing/2014/main" id="{F0B78D6F-1F61-4DBB-8F5A-934BB850DD1F}"/>
                 </a:ext>
                 <a:ext uri="{C183D7F6-B498-43B3-948B-1728B52AA6E4}">
-                  <adec:decorative xmlns="" xmlns:adec="http://schemas.microsoft.com/office/drawing/2017/decorative" val="1"/>
+                  <adec:decorative xmlns:adec="http://schemas.microsoft.com/office/drawing/2017/decorative" val="1"/>
                 </a:ext>
               </a:extLst>
             </p:cNvPr>
@@ -6967,7 +6939,7 @@
             <p:nvPr>
               <p:extLst>
                 <p:ext uri="{386F3935-93C4-4BCD-93E2-E3B085C9AB24}">
-                  <p16:designElem xmlns="" xmlns:p16="http://schemas.microsoft.com/office/powerpoint/2015/main" val="1"/>
+                  <p16:designElem xmlns:p16="http://schemas.microsoft.com/office/powerpoint/2015/main" val="1"/>
                 </p:ext>
               </p:extLst>
             </p:nvPr>
@@ -7037,10 +7009,10 @@
             <p:cNvPr id="40" name="Rectangle 39">
               <a:extLst>
                 <a:ext uri="{FF2B5EF4-FFF2-40B4-BE49-F238E27FC236}">
-                  <a16:creationId xmlns="" xmlns:a16="http://schemas.microsoft.com/office/drawing/2014/main" id="{23EA261D-1F8C-4BE5-8586-3C1CC5CE80FE}"/>
+                  <a16:creationId xmlns:a16="http://schemas.microsoft.com/office/drawing/2014/main" id="{23EA261D-1F8C-4BE5-8586-3C1CC5CE80FE}"/>
                 </a:ext>
                 <a:ext uri="{C183D7F6-B498-43B3-948B-1728B52AA6E4}">
-                  <adec:decorative xmlns="" xmlns:adec="http://schemas.microsoft.com/office/drawing/2017/decorative" val="1"/>
+                  <adec:decorative xmlns:adec="http://schemas.microsoft.com/office/drawing/2017/decorative" val="1"/>
                 </a:ext>
               </a:extLst>
             </p:cNvPr>
@@ -7048,7 +7020,7 @@
             <p:nvPr>
               <p:extLst>
                 <p:ext uri="{386F3935-93C4-4BCD-93E2-E3B085C9AB24}">
-                  <p16:designElem xmlns="" xmlns:p16="http://schemas.microsoft.com/office/powerpoint/2015/main" val="1"/>
+                  <p16:designElem xmlns:p16="http://schemas.microsoft.com/office/powerpoint/2015/main" val="1"/>
                 </p:ext>
               </p:extLst>
             </p:nvPr>
@@ -7122,7 +7094,7 @@
           <p:cNvPr id="13" name="Picture 12" descr="White puzzle with one red piece">
             <a:extLst>
               <a:ext uri="{FF2B5EF4-FFF2-40B4-BE49-F238E27FC236}">
-                <a16:creationId xmlns="" xmlns:a16="http://schemas.microsoft.com/office/drawing/2014/main" id="{6623C5DD-9320-4393-84E0-7E55205F2832}"/>
+                <a16:creationId xmlns:a16="http://schemas.microsoft.com/office/drawing/2014/main" id="{6623C5DD-9320-4393-84E0-7E55205F2832}"/>
               </a:ext>
             </a:extLst>
           </p:cNvPr>
@@ -7151,7 +7123,7 @@
           <p:cNvPr id="11" name="Content Placeholder 10">
             <a:extLst>
               <a:ext uri="{FF2B5EF4-FFF2-40B4-BE49-F238E27FC236}">
-                <a16:creationId xmlns="" xmlns:a16="http://schemas.microsoft.com/office/drawing/2014/main" id="{ABA5AE49-24B5-4A1F-8622-D0CC98C04B9E}"/>
+                <a16:creationId xmlns:a16="http://schemas.microsoft.com/office/drawing/2014/main" id="{ABA5AE49-24B5-4A1F-8622-D0CC98C04B9E}"/>
               </a:ext>
             </a:extLst>
           </p:cNvPr>
@@ -7181,12 +7153,6 @@
               </a:rPr>
               <a:t>The five processes of FDD are:</a:t>
             </a:r>
-            <a:r>
-              <a:rPr lang="en-US" dirty="0">
-                <a:latin typeface="+mj-lt"/>
-              </a:rPr>
-              <a:t/>
-            </a:r>
             <a:br>
               <a:rPr lang="en-US" dirty="0">
                 <a:latin typeface="+mj-lt"/>
@@ -7199,12 +7165,6 @@
               </a:rPr>
               <a:t>• Develop an overall model</a:t>
             </a:r>
-            <a:r>
-              <a:rPr lang="en-US" dirty="0">
-                <a:latin typeface="+mj-lt"/>
-              </a:rPr>
-              <a:t/>
-            </a:r>
             <a:br>
               <a:rPr lang="en-US" dirty="0">
                 <a:latin typeface="+mj-lt"/>
@@ -7217,12 +7177,6 @@
               </a:rPr>
               <a:t>• Build a features list</a:t>
             </a:r>
-            <a:r>
-              <a:rPr lang="en-US" dirty="0">
-                <a:latin typeface="+mj-lt"/>
-              </a:rPr>
-              <a:t/>
-            </a:r>
             <a:br>
               <a:rPr lang="en-US" dirty="0">
                 <a:latin typeface="+mj-lt"/>
@@ -7235,12 +7189,6 @@
               </a:rPr>
               <a:t>• Plan by feature</a:t>
             </a:r>
-            <a:r>
-              <a:rPr lang="en-US" dirty="0">
-                <a:latin typeface="+mj-lt"/>
-              </a:rPr>
-              <a:t/>
-            </a:r>
             <a:br>
               <a:rPr lang="en-US" dirty="0">
                 <a:latin typeface="+mj-lt"/>
@@ -7253,12 +7201,6 @@
               </a:rPr>
               <a:t>• Design by feature</a:t>
             </a:r>
-            <a:r>
-              <a:rPr lang="en-US" dirty="0">
-                <a:latin typeface="+mj-lt"/>
-              </a:rPr>
-              <a:t/>
-            </a:r>
             <a:br>
               <a:rPr lang="en-US" dirty="0">
                 <a:latin typeface="+mj-lt"/>
@@ -7270,12 +7212,6 @@
                 <a:latin typeface="+mj-lt"/>
               </a:rPr>
               <a:t>• Build by feature</a:t>
-            </a:r>
-            <a:r>
-              <a:rPr lang="en-US" dirty="0">
-                <a:latin typeface="+mj-lt"/>
-              </a:rPr>
-              <a:t/>
             </a:r>
             <a:br>
               <a:rPr lang="en-US" dirty="0">
@@ -7293,10 +7229,10 @@
           <p:cNvPr id="42" name="Picture 41">
             <a:extLst>
               <a:ext uri="{FF2B5EF4-FFF2-40B4-BE49-F238E27FC236}">
-                <a16:creationId xmlns="" xmlns:a16="http://schemas.microsoft.com/office/drawing/2014/main" id="{3635D2BC-4EDA-4A3E-83BF-035608099BD5}"/>
+                <a16:creationId xmlns:a16="http://schemas.microsoft.com/office/drawing/2014/main" id="{3635D2BC-4EDA-4A3E-83BF-035608099BD5}"/>
               </a:ext>
               <a:ext uri="{C183D7F6-B498-43B3-948B-1728B52AA6E4}">
-                <adec:decorative xmlns="" xmlns:adec="http://schemas.microsoft.com/office/drawing/2017/decorative" val="1"/>
+                <adec:decorative xmlns:adec="http://schemas.microsoft.com/office/drawing/2017/decorative" val="1"/>
               </a:ext>
             </a:extLst>
           </p:cNvPr>
@@ -7306,7 +7242,7 @@
           <p:nvPr>
             <p:extLst>
               <p:ext uri="{386F3935-93C4-4BCD-93E2-E3B085C9AB24}">
-                <p16:designElem xmlns="" xmlns:p16="http://schemas.microsoft.com/office/powerpoint/2015/main" val="1"/>
+                <p16:designElem xmlns:p16="http://schemas.microsoft.com/office/powerpoint/2015/main" val="1"/>
               </p:ext>
             </p:extLst>
           </p:nvPr>
@@ -7337,10 +7273,10 @@
           <p:cNvPr id="44" name="Straight Connector 43">
             <a:extLst>
               <a:ext uri="{FF2B5EF4-FFF2-40B4-BE49-F238E27FC236}">
-                <a16:creationId xmlns="" xmlns:a16="http://schemas.microsoft.com/office/drawing/2014/main" id="{A3C86EB9-7FA9-42F7-B348-A7FD17436A94}"/>
+                <a16:creationId xmlns:a16="http://schemas.microsoft.com/office/drawing/2014/main" id="{A3C86EB9-7FA9-42F7-B348-A7FD17436A94}"/>
               </a:ext>
               <a:ext uri="{C183D7F6-B498-43B3-948B-1728B52AA6E4}">
-                <adec:decorative xmlns="" xmlns:adec="http://schemas.microsoft.com/office/drawing/2017/decorative" val="1"/>
+                <adec:decorative xmlns:adec="http://schemas.microsoft.com/office/drawing/2017/decorative" val="1"/>
               </a:ext>
             </a:extLst>
           </p:cNvPr>
@@ -7350,7 +7286,7 @@
           <p:nvPr>
             <p:extLst>
               <p:ext uri="{386F3935-93C4-4BCD-93E2-E3B085C9AB24}">
-                <p16:designElem xmlns="" xmlns:p16="http://schemas.microsoft.com/office/powerpoint/2015/main" val="1"/>
+                <p16:designElem xmlns:p16="http://schemas.microsoft.com/office/powerpoint/2015/main" val="1"/>
               </p:ext>
             </p:extLst>
           </p:nvPr>
@@ -7421,7 +7357,7 @@
           <p:cNvPr id="2" name="Title 1">
             <a:extLst>
               <a:ext uri="{FF2B5EF4-FFF2-40B4-BE49-F238E27FC236}">
-                <a16:creationId xmlns="" xmlns:a16="http://schemas.microsoft.com/office/drawing/2014/main" id="{B50FB347-5559-499D-9998-7518E716BF6F}"/>
+                <a16:creationId xmlns:a16="http://schemas.microsoft.com/office/drawing/2014/main" id="{B50FB347-5559-499D-9998-7518E716BF6F}"/>
               </a:ext>
             </a:extLst>
           </p:cNvPr>
@@ -7449,7 +7385,7 @@
           <p:cNvPr id="3" name="Content Placeholder 2">
             <a:extLst>
               <a:ext uri="{FF2B5EF4-FFF2-40B4-BE49-F238E27FC236}">
-                <a16:creationId xmlns="" xmlns:a16="http://schemas.microsoft.com/office/drawing/2014/main" id="{95E81F15-BE69-40EB-BC95-06B213A82F59}"/>
+                <a16:creationId xmlns:a16="http://schemas.microsoft.com/office/drawing/2014/main" id="{95E81F15-BE69-40EB-BC95-06B213A82F59}"/>
               </a:ext>
             </a:extLst>
           </p:cNvPr>
@@ -7578,7 +7514,7 @@
           <p:cNvPr id="2" name="Title 1">
             <a:extLst>
               <a:ext uri="{FF2B5EF4-FFF2-40B4-BE49-F238E27FC236}">
-                <a16:creationId xmlns="" xmlns:a16="http://schemas.microsoft.com/office/drawing/2014/main" id="{E2BCDD42-817B-47BD-9CEB-4C253477890D}"/>
+                <a16:creationId xmlns:a16="http://schemas.microsoft.com/office/drawing/2014/main" id="{E2BCDD42-817B-47BD-9CEB-4C253477890D}"/>
               </a:ext>
             </a:extLst>
           </p:cNvPr>
@@ -7617,7 +7553,7 @@
           <p:cNvPr id="3" name="Content Placeholder 2">
             <a:extLst>
               <a:ext uri="{FF2B5EF4-FFF2-40B4-BE49-F238E27FC236}">
-                <a16:creationId xmlns="" xmlns:a16="http://schemas.microsoft.com/office/drawing/2014/main" id="{6920F8D9-D603-4D4C-A272-1033C27C9FFA}"/>
+                <a16:creationId xmlns:a16="http://schemas.microsoft.com/office/drawing/2014/main" id="{6920F8D9-D603-4D4C-A272-1033C27C9FFA}"/>
               </a:ext>
             </a:extLst>
           </p:cNvPr>
@@ -7658,7 +7594,7 @@
           <p:cNvPr id="6" name="Picture 5" descr="Graphical user interface, application&#10;&#10;Description automatically generated">
             <a:extLst>
               <a:ext uri="{FF2B5EF4-FFF2-40B4-BE49-F238E27FC236}">
-                <a16:creationId xmlns="" xmlns:a16="http://schemas.microsoft.com/office/drawing/2014/main" id="{4E08B9D5-9B7D-4CC7-B8E6-C51F50C7BE3D}"/>
+                <a16:creationId xmlns:a16="http://schemas.microsoft.com/office/drawing/2014/main" id="{4E08B9D5-9B7D-4CC7-B8E6-C51F50C7BE3D}"/>
               </a:ext>
             </a:extLst>
           </p:cNvPr>
@@ -7694,7 +7630,7 @@
           <p:cNvPr id="9" name="Picture 8" descr="Graphical user interface, text, application, email&#10;&#10;Description automatically generated">
             <a:extLst>
               <a:ext uri="{FF2B5EF4-FFF2-40B4-BE49-F238E27FC236}">
-                <a16:creationId xmlns="" xmlns:a16="http://schemas.microsoft.com/office/drawing/2014/main" id="{18CFBE7D-C04C-49DF-BE3C-21D3407FD9FA}"/>
+                <a16:creationId xmlns:a16="http://schemas.microsoft.com/office/drawing/2014/main" id="{18CFBE7D-C04C-49DF-BE3C-21D3407FD9FA}"/>
               </a:ext>
             </a:extLst>
           </p:cNvPr>
@@ -7760,7 +7696,7 @@
           <p:cNvPr id="2" name="Title 1">
             <a:extLst>
               <a:ext uri="{FF2B5EF4-FFF2-40B4-BE49-F238E27FC236}">
-                <a16:creationId xmlns="" xmlns:a16="http://schemas.microsoft.com/office/drawing/2014/main" id="{E2BCDD42-817B-47BD-9CEB-4C253477890D}"/>
+                <a16:creationId xmlns:a16="http://schemas.microsoft.com/office/drawing/2014/main" id="{E2BCDD42-817B-47BD-9CEB-4C253477890D}"/>
               </a:ext>
             </a:extLst>
           </p:cNvPr>
@@ -7795,7 +7731,7 @@
           <p:cNvPr id="5" name="Picture 4" descr="Table&#10;&#10;Description automatically generated">
             <a:extLst>
               <a:ext uri="{FF2B5EF4-FFF2-40B4-BE49-F238E27FC236}">
-                <a16:creationId xmlns="" xmlns:a16="http://schemas.microsoft.com/office/drawing/2014/main" id="{00C9B1EB-5C31-4AC7-B6AC-437BEAE9E2A8}"/>
+                <a16:creationId xmlns:a16="http://schemas.microsoft.com/office/drawing/2014/main" id="{00C9B1EB-5C31-4AC7-B6AC-437BEAE9E2A8}"/>
               </a:ext>
             </a:extLst>
           </p:cNvPr>
@@ -7831,7 +7767,7 @@
           <p:cNvPr id="7" name="Picture 6" descr="Table&#10;&#10;Description automatically generated">
             <a:extLst>
               <a:ext uri="{FF2B5EF4-FFF2-40B4-BE49-F238E27FC236}">
-                <a16:creationId xmlns="" xmlns:a16="http://schemas.microsoft.com/office/drawing/2014/main" id="{77DB801D-8C20-4CC5-A448-66640B190B45}"/>
+                <a16:creationId xmlns:a16="http://schemas.microsoft.com/office/drawing/2014/main" id="{77DB801D-8C20-4CC5-A448-66640B190B45}"/>
               </a:ext>
             </a:extLst>
           </p:cNvPr>
@@ -7867,7 +7803,7 @@
           <p:cNvPr id="3" name="Content Placeholder 2">
             <a:extLst>
               <a:ext uri="{FF2B5EF4-FFF2-40B4-BE49-F238E27FC236}">
-                <a16:creationId xmlns="" xmlns:a16="http://schemas.microsoft.com/office/drawing/2014/main" id="{6920F8D9-D603-4D4C-A272-1033C27C9FFA}"/>
+                <a16:creationId xmlns:a16="http://schemas.microsoft.com/office/drawing/2014/main" id="{6920F8D9-D603-4D4C-A272-1033C27C9FFA}"/>
               </a:ext>
             </a:extLst>
           </p:cNvPr>
@@ -7992,7 +7928,7 @@
           <p:cNvPr id="2" name="Title 1">
             <a:extLst>
               <a:ext uri="{FF2B5EF4-FFF2-40B4-BE49-F238E27FC236}">
-                <a16:creationId xmlns="" xmlns:a16="http://schemas.microsoft.com/office/drawing/2014/main" id="{548525ED-813D-410E-972B-93BD80742F0C}"/>
+                <a16:creationId xmlns:a16="http://schemas.microsoft.com/office/drawing/2014/main" id="{548525ED-813D-410E-972B-93BD80742F0C}"/>
               </a:ext>
             </a:extLst>
           </p:cNvPr>
@@ -8022,10 +7958,6 @@
             <a:br>
               <a:rPr lang="en-US" sz="1300"/>
             </a:br>
-            <a:r>
-              <a:rPr lang="en-US" sz="1300"/>
-              <a:t/>
-            </a:r>
             <a:br>
               <a:rPr lang="en-US" sz="1300"/>
             </a:br>
@@ -8038,7 +7970,7 @@
           <p:cNvPr id="4" name="Picture 3" descr="Table&#10;&#10;Description automatically generated">
             <a:extLst>
               <a:ext uri="{FF2B5EF4-FFF2-40B4-BE49-F238E27FC236}">
-                <a16:creationId xmlns="" xmlns:a16="http://schemas.microsoft.com/office/drawing/2014/main" id="{60CEA439-4087-4CF4-B225-4A06AC7ABB77}"/>
+                <a16:creationId xmlns:a16="http://schemas.microsoft.com/office/drawing/2014/main" id="{60CEA439-4087-4CF4-B225-4A06AC7ABB77}"/>
               </a:ext>
             </a:extLst>
           </p:cNvPr>
@@ -8104,7 +8036,7 @@
           <p:cNvPr id="2" name="Title 1">
             <a:extLst>
               <a:ext uri="{FF2B5EF4-FFF2-40B4-BE49-F238E27FC236}">
-                <a16:creationId xmlns="" xmlns:a16="http://schemas.microsoft.com/office/drawing/2014/main" id="{A46D06A0-AF76-4C6B-8EE5-79AC2A3ECD24}"/>
+                <a16:creationId xmlns:a16="http://schemas.microsoft.com/office/drawing/2014/main" id="{A46D06A0-AF76-4C6B-8EE5-79AC2A3ECD24}"/>
               </a:ext>
             </a:extLst>
           </p:cNvPr>
@@ -8132,7 +8064,7 @@
           <p:cNvPr id="3" name="Subtitle 2">
             <a:extLst>
               <a:ext uri="{FF2B5EF4-FFF2-40B4-BE49-F238E27FC236}">
-                <a16:creationId xmlns="" xmlns:a16="http://schemas.microsoft.com/office/drawing/2014/main" id="{DEB0C4E3-DE4F-45EE-BD04-835E5940F6F1}"/>
+                <a16:creationId xmlns:a16="http://schemas.microsoft.com/office/drawing/2014/main" id="{DEB0C4E3-DE4F-45EE-BD04-835E5940F6F1}"/>
               </a:ext>
             </a:extLst>
           </p:cNvPr>
@@ -8190,7 +8122,7 @@
           <p:cNvPr id="2" name="Title 1">
             <a:extLst>
               <a:ext uri="{FF2B5EF4-FFF2-40B4-BE49-F238E27FC236}">
-                <a16:creationId xmlns="" xmlns:a16="http://schemas.microsoft.com/office/drawing/2014/main" id="{C8328721-8117-4DBF-AA58-E34536E65D10}"/>
+                <a16:creationId xmlns:a16="http://schemas.microsoft.com/office/drawing/2014/main" id="{C8328721-8117-4DBF-AA58-E34536E65D10}"/>
               </a:ext>
             </a:extLst>
           </p:cNvPr>
@@ -8218,7 +8150,7 @@
           <p:cNvPr id="3" name="Content Placeholder 2">
             <a:extLst>
               <a:ext uri="{FF2B5EF4-FFF2-40B4-BE49-F238E27FC236}">
-                <a16:creationId xmlns="" xmlns:a16="http://schemas.microsoft.com/office/drawing/2014/main" id="{9A1987E5-D585-4A25-BE16-A72CFB166878}"/>
+                <a16:creationId xmlns:a16="http://schemas.microsoft.com/office/drawing/2014/main" id="{9A1987E5-D585-4A25-BE16-A72CFB166878}"/>
               </a:ext>
             </a:extLst>
           </p:cNvPr>
@@ -8339,10 +8271,10 @@
           <p:cNvPr id="31" name="Rectangle 30">
             <a:extLst>
               <a:ext uri="{FF2B5EF4-FFF2-40B4-BE49-F238E27FC236}">
-                <a16:creationId xmlns="" xmlns:a16="http://schemas.microsoft.com/office/drawing/2014/main" id="{0CABCAE3-64FC-4149-819F-2C1812824154}"/>
+                <a16:creationId xmlns:a16="http://schemas.microsoft.com/office/drawing/2014/main" id="{0CABCAE3-64FC-4149-819F-2C1812824154}"/>
               </a:ext>
               <a:ext uri="{C183D7F6-B498-43B3-948B-1728B52AA6E4}">
-                <adec:decorative xmlns="" xmlns:adec="http://schemas.microsoft.com/office/drawing/2017/decorative" val="1"/>
+                <adec:decorative xmlns:adec="http://schemas.microsoft.com/office/drawing/2017/decorative" val="1"/>
               </a:ext>
             </a:extLst>
           </p:cNvPr>
@@ -8352,7 +8284,7 @@
           <p:nvPr>
             <p:extLst>
               <p:ext uri="{386F3935-93C4-4BCD-93E2-E3B085C9AB24}">
-                <p16:designElem xmlns="" xmlns:p16="http://schemas.microsoft.com/office/powerpoint/2015/main" val="1"/>
+                <p16:designElem xmlns:p16="http://schemas.microsoft.com/office/powerpoint/2015/main" val="1"/>
               </p:ext>
             </p:extLst>
           </p:nvPr>
@@ -8405,10 +8337,10 @@
           <p:cNvPr id="33" name="Picture 32">
             <a:extLst>
               <a:ext uri="{FF2B5EF4-FFF2-40B4-BE49-F238E27FC236}">
-                <a16:creationId xmlns="" xmlns:a16="http://schemas.microsoft.com/office/drawing/2014/main" id="{012FDCFE-9AD2-4D8A-8CBF-B3AA37EBF6DD}"/>
+                <a16:creationId xmlns:a16="http://schemas.microsoft.com/office/drawing/2014/main" id="{012FDCFE-9AD2-4D8A-8CBF-B3AA37EBF6DD}"/>
               </a:ext>
               <a:ext uri="{C183D7F6-B498-43B3-948B-1728B52AA6E4}">
-                <adec:decorative xmlns="" xmlns:adec="http://schemas.microsoft.com/office/drawing/2017/decorative" val="1"/>
+                <adec:decorative xmlns:adec="http://schemas.microsoft.com/office/drawing/2017/decorative" val="1"/>
               </a:ext>
             </a:extLst>
           </p:cNvPr>
@@ -8418,7 +8350,7 @@
           <p:nvPr>
             <p:extLst>
               <p:ext uri="{386F3935-93C4-4BCD-93E2-E3B085C9AB24}">
-                <p16:designElem xmlns="" xmlns:p16="http://schemas.microsoft.com/office/powerpoint/2015/main" val="1"/>
+                <p16:designElem xmlns:p16="http://schemas.microsoft.com/office/powerpoint/2015/main" val="1"/>
               </p:ext>
             </p:extLst>
           </p:nvPr>
@@ -8449,10 +8381,10 @@
           <p:cNvPr id="35" name="Straight Connector 34">
             <a:extLst>
               <a:ext uri="{FF2B5EF4-FFF2-40B4-BE49-F238E27FC236}">
-                <a16:creationId xmlns="" xmlns:a16="http://schemas.microsoft.com/office/drawing/2014/main" id="{FBD463FC-4CA8-4FF4-85A3-AF9F4B98D210}"/>
+                <a16:creationId xmlns:a16="http://schemas.microsoft.com/office/drawing/2014/main" id="{FBD463FC-4CA8-4FF4-85A3-AF9F4B98D210}"/>
               </a:ext>
               <a:ext uri="{C183D7F6-B498-43B3-948B-1728B52AA6E4}">
-                <adec:decorative xmlns="" xmlns:adec="http://schemas.microsoft.com/office/drawing/2017/decorative" val="1"/>
+                <adec:decorative xmlns:adec="http://schemas.microsoft.com/office/drawing/2017/decorative" val="1"/>
               </a:ext>
             </a:extLst>
           </p:cNvPr>
@@ -8462,7 +8394,7 @@
           <p:nvPr>
             <p:extLst>
               <p:ext uri="{386F3935-93C4-4BCD-93E2-E3B085C9AB24}">
-                <p16:designElem xmlns="" xmlns:p16="http://schemas.microsoft.com/office/powerpoint/2015/main" val="1"/>
+                <p16:designElem xmlns:p16="http://schemas.microsoft.com/office/powerpoint/2015/main" val="1"/>
               </p:ext>
             </p:extLst>
           </p:nvPr>
@@ -8503,10 +8435,10 @@
           <p:cNvPr id="37" name="Straight Connector 36">
             <a:extLst>
               <a:ext uri="{FF2B5EF4-FFF2-40B4-BE49-F238E27FC236}">
-                <a16:creationId xmlns="" xmlns:a16="http://schemas.microsoft.com/office/drawing/2014/main" id="{BECF35C3-8B44-4F4B-BD25-4C01823DB22A}"/>
+                <a16:creationId xmlns:a16="http://schemas.microsoft.com/office/drawing/2014/main" id="{BECF35C3-8B44-4F4B-BD25-4C01823DB22A}"/>
               </a:ext>
               <a:ext uri="{C183D7F6-B498-43B3-948B-1728B52AA6E4}">
-                <adec:decorative xmlns="" xmlns:adec="http://schemas.microsoft.com/office/drawing/2017/decorative" val="1"/>
+                <adec:decorative xmlns:adec="http://schemas.microsoft.com/office/drawing/2017/decorative" val="1"/>
               </a:ext>
             </a:extLst>
           </p:cNvPr>
@@ -8516,7 +8448,7 @@
           <p:nvPr>
             <p:extLst>
               <p:ext uri="{386F3935-93C4-4BCD-93E2-E3B085C9AB24}">
-                <p16:designElem xmlns="" xmlns:p16="http://schemas.microsoft.com/office/powerpoint/2015/main" val="1"/>
+                <p16:designElem xmlns:p16="http://schemas.microsoft.com/office/powerpoint/2015/main" val="1"/>
               </p:ext>
             </p:extLst>
           </p:nvPr>
@@ -8551,10 +8483,10 @@
           <p:cNvPr id="39" name="Rectangle 38">
             <a:extLst>
               <a:ext uri="{FF2B5EF4-FFF2-40B4-BE49-F238E27FC236}">
-                <a16:creationId xmlns="" xmlns:a16="http://schemas.microsoft.com/office/drawing/2014/main" id="{7F0FC757-0FB0-43DC-8A8C-A60D5517549D}"/>
+                <a16:creationId xmlns:a16="http://schemas.microsoft.com/office/drawing/2014/main" id="{7F0FC757-0FB0-43DC-8A8C-A60D5517549D}"/>
               </a:ext>
               <a:ext uri="{C183D7F6-B498-43B3-948B-1728B52AA6E4}">
-                <adec:decorative xmlns="" xmlns:adec="http://schemas.microsoft.com/office/drawing/2017/decorative" val="1"/>
+                <adec:decorative xmlns:adec="http://schemas.microsoft.com/office/drawing/2017/decorative" val="1"/>
               </a:ext>
             </a:extLst>
           </p:cNvPr>
@@ -8564,7 +8496,7 @@
           <p:nvPr>
             <p:extLst>
               <p:ext uri="{386F3935-93C4-4BCD-93E2-E3B085C9AB24}">
-                <p16:designElem xmlns="" xmlns:p16="http://schemas.microsoft.com/office/powerpoint/2015/main" val="1"/>
+                <p16:designElem xmlns:p16="http://schemas.microsoft.com/office/powerpoint/2015/main" val="1"/>
               </p:ext>
             </p:extLst>
           </p:nvPr>
@@ -8611,10 +8543,10 @@
           <p:cNvPr id="41" name="Rectangle 40">
             <a:extLst>
               <a:ext uri="{FF2B5EF4-FFF2-40B4-BE49-F238E27FC236}">
-                <a16:creationId xmlns="" xmlns:a16="http://schemas.microsoft.com/office/drawing/2014/main" id="{B078FCAE-E8BE-4215-8F37-55B5EE72FAB4}"/>
+                <a16:creationId xmlns:a16="http://schemas.microsoft.com/office/drawing/2014/main" id="{B078FCAE-E8BE-4215-8F37-55B5EE72FAB4}"/>
               </a:ext>
               <a:ext uri="{C183D7F6-B498-43B3-948B-1728B52AA6E4}">
-                <adec:decorative xmlns="" xmlns:adec="http://schemas.microsoft.com/office/drawing/2017/decorative" val="1"/>
+                <adec:decorative xmlns:adec="http://schemas.microsoft.com/office/drawing/2017/decorative" val="1"/>
               </a:ext>
             </a:extLst>
           </p:cNvPr>
@@ -8624,7 +8556,7 @@
           <p:nvPr>
             <p:extLst>
               <p:ext uri="{386F3935-93C4-4BCD-93E2-E3B085C9AB24}">
-                <p16:designElem xmlns="" xmlns:p16="http://schemas.microsoft.com/office/powerpoint/2015/main" val="1"/>
+                <p16:designElem xmlns:p16="http://schemas.microsoft.com/office/powerpoint/2015/main" val="1"/>
               </p:ext>
             </p:extLst>
           </p:nvPr>
@@ -8685,7 +8617,7 @@
           <p:cNvPr id="2" name="Title 1">
             <a:extLst>
               <a:ext uri="{FF2B5EF4-FFF2-40B4-BE49-F238E27FC236}">
-                <a16:creationId xmlns="" xmlns:a16="http://schemas.microsoft.com/office/drawing/2014/main" id="{C8328721-8117-4DBF-AA58-E34536E65D10}"/>
+                <a16:creationId xmlns:a16="http://schemas.microsoft.com/office/drawing/2014/main" id="{C8328721-8117-4DBF-AA58-E34536E65D10}"/>
               </a:ext>
             </a:extLst>
           </p:cNvPr>
@@ -8720,10 +8652,10 @@
           <p:cNvPr id="43" name="Straight Connector 42">
             <a:extLst>
               <a:ext uri="{FF2B5EF4-FFF2-40B4-BE49-F238E27FC236}">
-                <a16:creationId xmlns="" xmlns:a16="http://schemas.microsoft.com/office/drawing/2014/main" id="{3AAF1CF6-A2E3-40FC-975A-E8E573D23299}"/>
+                <a16:creationId xmlns:a16="http://schemas.microsoft.com/office/drawing/2014/main" id="{3AAF1CF6-A2E3-40FC-975A-E8E573D23299}"/>
               </a:ext>
               <a:ext uri="{C183D7F6-B498-43B3-948B-1728B52AA6E4}">
-                <adec:decorative xmlns="" xmlns:adec="http://schemas.microsoft.com/office/drawing/2017/decorative" val="1"/>
+                <adec:decorative xmlns:adec="http://schemas.microsoft.com/office/drawing/2017/decorative" val="1"/>
               </a:ext>
             </a:extLst>
           </p:cNvPr>
@@ -8733,7 +8665,7 @@
           <p:nvPr>
             <p:extLst>
               <p:ext uri="{386F3935-93C4-4BCD-93E2-E3B085C9AB24}">
-                <p16:designElem xmlns="" xmlns:p16="http://schemas.microsoft.com/office/powerpoint/2015/main" val="1"/>
+                <p16:designElem xmlns:p16="http://schemas.microsoft.com/office/powerpoint/2015/main" val="1"/>
               </p:ext>
             </p:extLst>
           </p:nvPr>
@@ -8768,10 +8700,10 @@
           <p:cNvPr id="45" name="Group 44">
             <a:extLst>
               <a:ext uri="{FF2B5EF4-FFF2-40B4-BE49-F238E27FC236}">
-                <a16:creationId xmlns="" xmlns:a16="http://schemas.microsoft.com/office/drawing/2014/main" id="{4907A2B9-67D8-42FB-A373-67076DE4D30F}"/>
+                <a16:creationId xmlns:a16="http://schemas.microsoft.com/office/drawing/2014/main" id="{4907A2B9-67D8-42FB-A373-67076DE4D30F}"/>
               </a:ext>
               <a:ext uri="{C183D7F6-B498-43B3-948B-1728B52AA6E4}">
-                <adec:decorative xmlns="" xmlns:adec="http://schemas.microsoft.com/office/drawing/2017/decorative" val="1"/>
+                <adec:decorative xmlns:adec="http://schemas.microsoft.com/office/drawing/2017/decorative" val="1"/>
               </a:ext>
             </a:extLst>
           </p:cNvPr>
@@ -8781,7 +8713,7 @@
           <p:nvPr>
             <p:extLst>
               <p:ext uri="{386F3935-93C4-4BCD-93E2-E3B085C9AB24}">
-                <p16:designElem xmlns="" xmlns:p16="http://schemas.microsoft.com/office/powerpoint/2015/main" val="1"/>
+                <p16:designElem xmlns:p16="http://schemas.microsoft.com/office/powerpoint/2015/main" val="1"/>
               </p:ext>
             </p:extLst>
           </p:nvPr>
@@ -8799,10 +8731,10 @@
             <p:cNvPr id="46" name="Rectangle 45">
               <a:extLst>
                 <a:ext uri="{FF2B5EF4-FFF2-40B4-BE49-F238E27FC236}">
-                  <a16:creationId xmlns="" xmlns:a16="http://schemas.microsoft.com/office/drawing/2014/main" id="{341EDF98-4415-4462-AEA7-82AEA1205800}"/>
+                  <a16:creationId xmlns:a16="http://schemas.microsoft.com/office/drawing/2014/main" id="{341EDF98-4415-4462-AEA7-82AEA1205800}"/>
                 </a:ext>
                 <a:ext uri="{C183D7F6-B498-43B3-948B-1728B52AA6E4}">
-                  <adec:decorative xmlns="" xmlns:adec="http://schemas.microsoft.com/office/drawing/2017/decorative" val="1"/>
+                  <adec:decorative xmlns:adec="http://schemas.microsoft.com/office/drawing/2017/decorative" val="1"/>
                 </a:ext>
               </a:extLst>
             </p:cNvPr>
@@ -8810,7 +8742,7 @@
             <p:nvPr>
               <p:extLst>
                 <p:ext uri="{386F3935-93C4-4BCD-93E2-E3B085C9AB24}">
-                  <p16:designElem xmlns="" xmlns:p16="http://schemas.microsoft.com/office/powerpoint/2015/main" val="1"/>
+                  <p16:designElem xmlns:p16="http://schemas.microsoft.com/office/powerpoint/2015/main" val="1"/>
                 </p:ext>
               </p:extLst>
             </p:nvPr>
@@ -8880,10 +8812,10 @@
             <p:cNvPr id="47" name="Rectangle 46">
               <a:extLst>
                 <a:ext uri="{FF2B5EF4-FFF2-40B4-BE49-F238E27FC236}">
-                  <a16:creationId xmlns="" xmlns:a16="http://schemas.microsoft.com/office/drawing/2014/main" id="{E744230B-ABEB-48BC-A302-410B6FBD463A}"/>
+                  <a16:creationId xmlns:a16="http://schemas.microsoft.com/office/drawing/2014/main" id="{E744230B-ABEB-48BC-A302-410B6FBD463A}"/>
                 </a:ext>
                 <a:ext uri="{C183D7F6-B498-43B3-948B-1728B52AA6E4}">
-                  <adec:decorative xmlns="" xmlns:adec="http://schemas.microsoft.com/office/drawing/2017/decorative" val="1"/>
+                  <adec:decorative xmlns:adec="http://schemas.microsoft.com/office/drawing/2017/decorative" val="1"/>
                 </a:ext>
               </a:extLst>
             </p:cNvPr>
@@ -8891,7 +8823,7 @@
             <p:nvPr>
               <p:extLst>
                 <p:ext uri="{386F3935-93C4-4BCD-93E2-E3B085C9AB24}">
-                  <p16:designElem xmlns="" xmlns:p16="http://schemas.microsoft.com/office/powerpoint/2015/main" val="1"/>
+                  <p16:designElem xmlns:p16="http://schemas.microsoft.com/office/powerpoint/2015/main" val="1"/>
                 </p:ext>
               </p:extLst>
             </p:nvPr>
@@ -8965,10 +8897,10 @@
           <p:cNvPr id="49" name="Rectangle 48">
             <a:extLst>
               <a:ext uri="{FF2B5EF4-FFF2-40B4-BE49-F238E27FC236}">
-                <a16:creationId xmlns="" xmlns:a16="http://schemas.microsoft.com/office/drawing/2014/main" id="{A88BBAE4-1AA8-4249-AB11-FEFFDB51A7C1}"/>
+                <a16:creationId xmlns:a16="http://schemas.microsoft.com/office/drawing/2014/main" id="{A88BBAE4-1AA8-4249-AB11-FEFFDB51A7C1}"/>
               </a:ext>
               <a:ext uri="{C183D7F6-B498-43B3-948B-1728B52AA6E4}">
-                <adec:decorative xmlns="" xmlns:adec="http://schemas.microsoft.com/office/drawing/2017/decorative" val="1"/>
+                <adec:decorative xmlns:adec="http://schemas.microsoft.com/office/drawing/2017/decorative" val="1"/>
               </a:ext>
             </a:extLst>
           </p:cNvPr>
@@ -8978,7 +8910,7 @@
           <p:nvPr>
             <p:extLst>
               <p:ext uri="{386F3935-93C4-4BCD-93E2-E3B085C9AB24}">
-                <p16:designElem xmlns="" xmlns:p16="http://schemas.microsoft.com/office/powerpoint/2015/main" val="1"/>
+                <p16:designElem xmlns:p16="http://schemas.microsoft.com/office/powerpoint/2015/main" val="1"/>
               </p:ext>
             </p:extLst>
           </p:nvPr>
@@ -9030,7 +8962,7 @@
           <p:cNvPr id="5" name="Content Placeholder 4" descr="Graphical user interface, text, application&#10;&#10;Description automatically generated">
             <a:extLst>
               <a:ext uri="{FF2B5EF4-FFF2-40B4-BE49-F238E27FC236}">
-                <a16:creationId xmlns="" xmlns:a16="http://schemas.microsoft.com/office/drawing/2014/main" id="{1561F5AB-6E52-4C3A-B803-B54BDC01F973}"/>
+                <a16:creationId xmlns:a16="http://schemas.microsoft.com/office/drawing/2014/main" id="{1561F5AB-6E52-4C3A-B803-B54BDC01F973}"/>
               </a:ext>
             </a:extLst>
           </p:cNvPr>
@@ -9068,10 +9000,10 @@
           <p:cNvPr id="51" name="Picture 50">
             <a:extLst>
               <a:ext uri="{FF2B5EF4-FFF2-40B4-BE49-F238E27FC236}">
-                <a16:creationId xmlns="" xmlns:a16="http://schemas.microsoft.com/office/drawing/2014/main" id="{FF48ABDD-EC14-4852-8085-531535B95FB1}"/>
+                <a16:creationId xmlns:a16="http://schemas.microsoft.com/office/drawing/2014/main" id="{FF48ABDD-EC14-4852-8085-531535B95FB1}"/>
               </a:ext>
               <a:ext uri="{C183D7F6-B498-43B3-948B-1728B52AA6E4}">
-                <adec:decorative xmlns="" xmlns:adec="http://schemas.microsoft.com/office/drawing/2017/decorative" val="1"/>
+                <adec:decorative xmlns:adec="http://schemas.microsoft.com/office/drawing/2017/decorative" val="1"/>
               </a:ext>
             </a:extLst>
           </p:cNvPr>
@@ -9081,7 +9013,7 @@
           <p:nvPr>
             <p:extLst>
               <p:ext uri="{386F3935-93C4-4BCD-93E2-E3B085C9AB24}">
-                <p16:designElem xmlns="" xmlns:p16="http://schemas.microsoft.com/office/powerpoint/2015/main" val="1"/>
+                <p16:designElem xmlns:p16="http://schemas.microsoft.com/office/powerpoint/2015/main" val="1"/>
               </p:ext>
             </p:extLst>
           </p:nvPr>
@@ -9112,10 +9044,10 @@
           <p:cNvPr id="53" name="Straight Connector 52">
             <a:extLst>
               <a:ext uri="{FF2B5EF4-FFF2-40B4-BE49-F238E27FC236}">
-                <a16:creationId xmlns="" xmlns:a16="http://schemas.microsoft.com/office/drawing/2014/main" id="{AF4E9326-7C69-4A33-9A45-62F659E4AE65}"/>
+                <a16:creationId xmlns:a16="http://schemas.microsoft.com/office/drawing/2014/main" id="{AF4E9326-7C69-4A33-9A45-62F659E4AE65}"/>
               </a:ext>
               <a:ext uri="{C183D7F6-B498-43B3-948B-1728B52AA6E4}">
-                <adec:decorative xmlns="" xmlns:adec="http://schemas.microsoft.com/office/drawing/2017/decorative" val="1"/>
+                <adec:decorative xmlns:adec="http://schemas.microsoft.com/office/drawing/2017/decorative" val="1"/>
               </a:ext>
             </a:extLst>
           </p:cNvPr>
@@ -9125,7 +9057,7 @@
           <p:nvPr>
             <p:extLst>
               <p:ext uri="{386F3935-93C4-4BCD-93E2-E3B085C9AB24}">
-                <p16:designElem xmlns="" xmlns:p16="http://schemas.microsoft.com/office/powerpoint/2015/main" val="1"/>
+                <p16:designElem xmlns:p16="http://schemas.microsoft.com/office/powerpoint/2015/main" val="1"/>
               </p:ext>
             </p:extLst>
           </p:nvPr>
@@ -9220,10 +9152,10 @@
           <p:cNvPr id="12" name="Rectangle 7">
             <a:extLst>
               <a:ext uri="{FF2B5EF4-FFF2-40B4-BE49-F238E27FC236}">
-                <a16:creationId xmlns="" xmlns:a16="http://schemas.microsoft.com/office/drawing/2014/main" id="{F1176DA6-4BBF-42A4-9C94-E6613CCD6B37}"/>
+                <a16:creationId xmlns:a16="http://schemas.microsoft.com/office/drawing/2014/main" id="{F1176DA6-4BBF-42A4-9C94-E6613CCD6B37}"/>
               </a:ext>
               <a:ext uri="{C183D7F6-B498-43B3-948B-1728B52AA6E4}">
-                <adec:decorative xmlns="" xmlns:adec="http://schemas.microsoft.com/office/drawing/2017/decorative" val="1"/>
+                <adec:decorative xmlns:adec="http://schemas.microsoft.com/office/drawing/2017/decorative" val="1"/>
               </a:ext>
             </a:extLst>
           </p:cNvPr>
@@ -9233,7 +9165,7 @@
           <p:nvPr>
             <p:extLst>
               <p:ext uri="{386F3935-93C4-4BCD-93E2-E3B085C9AB24}">
-                <p16:designElem xmlns="" xmlns:p16="http://schemas.microsoft.com/office/powerpoint/2015/main" val="1"/>
+                <p16:designElem xmlns:p16="http://schemas.microsoft.com/office/powerpoint/2015/main" val="1"/>
               </p:ext>
             </p:extLst>
           </p:nvPr>
@@ -9280,10 +9212,10 @@
           <p:cNvPr id="13" name="Rectangle 9">
             <a:extLst>
               <a:ext uri="{FF2B5EF4-FFF2-40B4-BE49-F238E27FC236}">
-                <a16:creationId xmlns="" xmlns:a16="http://schemas.microsoft.com/office/drawing/2014/main" id="{99AAB0AE-172B-4FB4-80C2-86CD6B824220}"/>
+                <a16:creationId xmlns:a16="http://schemas.microsoft.com/office/drawing/2014/main" id="{99AAB0AE-172B-4FB4-80C2-86CD6B824220}"/>
               </a:ext>
               <a:ext uri="{C183D7F6-B498-43B3-948B-1728B52AA6E4}">
-                <adec:decorative xmlns="" xmlns:adec="http://schemas.microsoft.com/office/drawing/2017/decorative" val="1"/>
+                <adec:decorative xmlns:adec="http://schemas.microsoft.com/office/drawing/2017/decorative" val="1"/>
               </a:ext>
             </a:extLst>
           </p:cNvPr>
@@ -9293,7 +9225,7 @@
           <p:nvPr>
             <p:extLst>
               <p:ext uri="{386F3935-93C4-4BCD-93E2-E3B085C9AB24}">
-                <p16:designElem xmlns="" xmlns:p16="http://schemas.microsoft.com/office/powerpoint/2015/main" val="1"/>
+                <p16:designElem xmlns:p16="http://schemas.microsoft.com/office/powerpoint/2015/main" val="1"/>
               </p:ext>
             </p:extLst>
           </p:nvPr>
@@ -9345,7 +9277,7 @@
           <p:cNvPr id="3" name="Picture 2" descr="Diagram&#10;&#10;Description automatically generated">
             <a:extLst>
               <a:ext uri="{FF2B5EF4-FFF2-40B4-BE49-F238E27FC236}">
-                <a16:creationId xmlns="" xmlns:a16="http://schemas.microsoft.com/office/drawing/2014/main" id="{473A8E81-B7CD-4A4E-8413-E7EF1C565F27}"/>
+                <a16:creationId xmlns:a16="http://schemas.microsoft.com/office/drawing/2014/main" id="{473A8E81-B7CD-4A4E-8413-E7EF1C565F27}"/>
               </a:ext>
             </a:extLst>
           </p:cNvPr>
@@ -9411,7 +9343,7 @@
           <p:cNvPr id="2" name="Title 1">
             <a:extLst>
               <a:ext uri="{FF2B5EF4-FFF2-40B4-BE49-F238E27FC236}">
-                <a16:creationId xmlns="" xmlns:a16="http://schemas.microsoft.com/office/drawing/2014/main" id="{89374E98-B11C-44DE-B548-99F6B679FC64}"/>
+                <a16:creationId xmlns:a16="http://schemas.microsoft.com/office/drawing/2014/main" id="{89374E98-B11C-44DE-B548-99F6B679FC64}"/>
               </a:ext>
             </a:extLst>
           </p:cNvPr>
@@ -9446,7 +9378,7 @@
           <p:cNvPr id="5" name="Content Placeholder 4" descr="Logo, company name&#10;&#10;Description automatically generated">
             <a:extLst>
               <a:ext uri="{FF2B5EF4-FFF2-40B4-BE49-F238E27FC236}">
-                <a16:creationId xmlns="" xmlns:a16="http://schemas.microsoft.com/office/drawing/2014/main" id="{34278CE0-9DF7-407C-BAE2-CE9C4041A9BF}"/>
+                <a16:creationId xmlns:a16="http://schemas.microsoft.com/office/drawing/2014/main" id="{34278CE0-9DF7-407C-BAE2-CE9C4041A9BF}"/>
               </a:ext>
             </a:extLst>
           </p:cNvPr>
@@ -9511,7 +9443,7 @@
           <p:cNvPr id="2" name="Title 1">
             <a:extLst>
               <a:ext uri="{FF2B5EF4-FFF2-40B4-BE49-F238E27FC236}">
-                <a16:creationId xmlns="" xmlns:a16="http://schemas.microsoft.com/office/drawing/2014/main" id="{C8328721-8117-4DBF-AA58-E34536E65D10}"/>
+                <a16:creationId xmlns:a16="http://schemas.microsoft.com/office/drawing/2014/main" id="{C8328721-8117-4DBF-AA58-E34536E65D10}"/>
               </a:ext>
             </a:extLst>
           </p:cNvPr>
@@ -9543,7 +9475,7 @@
           <p:cNvPr id="15" name="Content Placeholder 14" descr="Diagram&#10;&#10;Description automatically generated">
             <a:extLst>
               <a:ext uri="{FF2B5EF4-FFF2-40B4-BE49-F238E27FC236}">
-                <a16:creationId xmlns="" xmlns:a16="http://schemas.microsoft.com/office/drawing/2014/main" id="{28C3D0DE-28C8-4502-8897-3361EF068A98}"/>
+                <a16:creationId xmlns:a16="http://schemas.microsoft.com/office/drawing/2014/main" id="{28C3D0DE-28C8-4502-8897-3361EF068A98}"/>
               </a:ext>
             </a:extLst>
           </p:cNvPr>
@@ -9632,7 +9564,7 @@
           <p:cNvPr id="2" name="Title 1">
             <a:extLst>
               <a:ext uri="{FF2B5EF4-FFF2-40B4-BE49-F238E27FC236}">
-                <a16:creationId xmlns="" xmlns:a16="http://schemas.microsoft.com/office/drawing/2014/main" id="{C8328721-8117-4DBF-AA58-E34536E65D10}"/>
+                <a16:creationId xmlns:a16="http://schemas.microsoft.com/office/drawing/2014/main" id="{C8328721-8117-4DBF-AA58-E34536E65D10}"/>
               </a:ext>
             </a:extLst>
           </p:cNvPr>
@@ -9667,7 +9599,7 @@
           <p:cNvPr id="3" name="Content Placeholder 2">
             <a:extLst>
               <a:ext uri="{FF2B5EF4-FFF2-40B4-BE49-F238E27FC236}">
-                <a16:creationId xmlns="" xmlns:a16="http://schemas.microsoft.com/office/drawing/2014/main" id="{9A1987E5-D585-4A25-BE16-A72CFB166878}"/>
+                <a16:creationId xmlns:a16="http://schemas.microsoft.com/office/drawing/2014/main" id="{9A1987E5-D585-4A25-BE16-A72CFB166878}"/>
               </a:ext>
             </a:extLst>
           </p:cNvPr>
@@ -9726,10 +9658,10 @@
           <p:cNvPr id="23" name="Group 22">
             <a:extLst>
               <a:ext uri="{FF2B5EF4-FFF2-40B4-BE49-F238E27FC236}">
-                <a16:creationId xmlns="" xmlns:a16="http://schemas.microsoft.com/office/drawing/2014/main" id="{F7C65FA4-631C-444F-89AA-F891363CCF6E}"/>
+                <a16:creationId xmlns:a16="http://schemas.microsoft.com/office/drawing/2014/main" id="{F7C65FA4-631C-444F-89AA-F891363CCF6E}"/>
               </a:ext>
               <a:ext uri="{C183D7F6-B498-43B3-948B-1728B52AA6E4}">
-                <adec:decorative xmlns="" xmlns:adec="http://schemas.microsoft.com/office/drawing/2017/decorative" val="1"/>
+                <adec:decorative xmlns:adec="http://schemas.microsoft.com/office/drawing/2017/decorative" val="1"/>
               </a:ext>
             </a:extLst>
           </p:cNvPr>
@@ -9739,7 +9671,7 @@
           <p:nvPr>
             <p:extLst>
               <p:ext uri="{386F3935-93C4-4BCD-93E2-E3B085C9AB24}">
-                <p16:designElem xmlns="" xmlns:p16="http://schemas.microsoft.com/office/powerpoint/2015/main" val="1"/>
+                <p16:designElem xmlns:p16="http://schemas.microsoft.com/office/powerpoint/2015/main" val="1"/>
               </p:ext>
             </p:extLst>
           </p:nvPr>
@@ -9757,10 +9689,10 @@
             <p:cNvPr id="24" name="Rectangle 23">
               <a:extLst>
                 <a:ext uri="{FF2B5EF4-FFF2-40B4-BE49-F238E27FC236}">
-                  <a16:creationId xmlns="" xmlns:a16="http://schemas.microsoft.com/office/drawing/2014/main" id="{353C58CC-6818-48FD-9CE0-B43BF88B7396}"/>
+                  <a16:creationId xmlns:a16="http://schemas.microsoft.com/office/drawing/2014/main" id="{353C58CC-6818-48FD-9CE0-B43BF88B7396}"/>
                 </a:ext>
                 <a:ext uri="{C183D7F6-B498-43B3-948B-1728B52AA6E4}">
-                  <adec:decorative xmlns="" xmlns:adec="http://schemas.microsoft.com/office/drawing/2017/decorative" val="1"/>
+                  <adec:decorative xmlns:adec="http://schemas.microsoft.com/office/drawing/2017/decorative" val="1"/>
                 </a:ext>
               </a:extLst>
             </p:cNvPr>
@@ -9768,7 +9700,7 @@
             <p:nvPr>
               <p:extLst>
                 <p:ext uri="{386F3935-93C4-4BCD-93E2-E3B085C9AB24}">
-                  <p16:designElem xmlns="" xmlns:p16="http://schemas.microsoft.com/office/powerpoint/2015/main" val="1"/>
+                  <p16:designElem xmlns:p16="http://schemas.microsoft.com/office/powerpoint/2015/main" val="1"/>
                 </p:ext>
               </p:extLst>
             </p:nvPr>
@@ -9838,10 +9770,10 @@
             <p:cNvPr id="25" name="Rectangle 24">
               <a:extLst>
                 <a:ext uri="{FF2B5EF4-FFF2-40B4-BE49-F238E27FC236}">
-                  <a16:creationId xmlns="" xmlns:a16="http://schemas.microsoft.com/office/drawing/2014/main" id="{1B2694E9-2175-4647-803A-3AD63554CD25}"/>
+                  <a16:creationId xmlns:a16="http://schemas.microsoft.com/office/drawing/2014/main" id="{1B2694E9-2175-4647-803A-3AD63554CD25}"/>
                 </a:ext>
                 <a:ext uri="{C183D7F6-B498-43B3-948B-1728B52AA6E4}">
-                  <adec:decorative xmlns="" xmlns:adec="http://schemas.microsoft.com/office/drawing/2017/decorative" val="1"/>
+                  <adec:decorative xmlns:adec="http://schemas.microsoft.com/office/drawing/2017/decorative" val="1"/>
                 </a:ext>
               </a:extLst>
             </p:cNvPr>
@@ -9849,7 +9781,7 @@
             <p:nvPr>
               <p:extLst>
                 <p:ext uri="{386F3935-93C4-4BCD-93E2-E3B085C9AB24}">
-                  <p16:designElem xmlns="" xmlns:p16="http://schemas.microsoft.com/office/powerpoint/2015/main" val="1"/>
+                  <p16:designElem xmlns:p16="http://schemas.microsoft.com/office/powerpoint/2015/main" val="1"/>
                 </p:ext>
               </p:extLst>
             </p:nvPr>
@@ -9915,7 +9847,7 @@
           <p:cNvPr id="6" name="Picture 5" descr="Diagram&#10;&#10;Description automatically generated">
             <a:extLst>
               <a:ext uri="{FF2B5EF4-FFF2-40B4-BE49-F238E27FC236}">
-                <a16:creationId xmlns="" xmlns:a16="http://schemas.microsoft.com/office/drawing/2014/main" id="{958C94EC-0587-41B6-A61C-94A87C153456}"/>
+                <a16:creationId xmlns:a16="http://schemas.microsoft.com/office/drawing/2014/main" id="{958C94EC-0587-41B6-A61C-94A87C153456}"/>
               </a:ext>
             </a:extLst>
           </p:cNvPr>
